--- a/Project File/[SK C&C] 인턴PT_오정택_old.pptx
+++ b/Project File/[SK C&C] 인턴PT_오정택_old.pptx
@@ -5,14 +5,13 @@
     <p:sldMasterId id="2147483648" r:id="rId1"/>
   </p:sldMasterIdLst>
   <p:notesMasterIdLst>
-    <p:notesMasterId r:id="rId4"/>
+    <p:notesMasterId r:id="rId3"/>
   </p:notesMasterIdLst>
   <p:sldIdLst>
-    <p:sldId id="1612" r:id="rId3"/>
-    <p:sldId id="1613" r:id="rId5"/>
+    <p:sldId id="1612" r:id="rId2"/>
   </p:sldIdLst>
   <p:sldSz cx="12192000" cy="6858000"/>
-  <p:notesSz cx="6805295" cy="9939020"/>
+  <p:notesSz cx="6805613" cy="9939338"/>
   <p:defaultTextStyle>
     <a:defPPr>
       <a:defRPr lang="en-US"/>
@@ -108,6 +107,37 @@
       </a:defRPr>
     </a:lvl9pPr>
   </p:defaultTextStyle>
+  <p:extLst>
+    <p:ext uri="{EFAFB233-063F-42B5-8137-9DF3F51BA10A}">
+      <p15:sldGuideLst xmlns:p15="http://schemas.microsoft.com/office/powerpoint/2012/main">
+        <p15:guide id="1" orient="horz" pos="799">
+          <p15:clr>
+            <a:srgbClr val="A4A3A4"/>
+          </p15:clr>
+        </p15:guide>
+        <p15:guide id="2" pos="212">
+          <p15:clr>
+            <a:srgbClr val="A4A3A4"/>
+          </p15:clr>
+        </p15:guide>
+        <p15:guide id="3" pos="7468">
+          <p15:clr>
+            <a:srgbClr val="A4A3A4"/>
+          </p15:clr>
+        </p15:guide>
+        <p15:guide id="4" pos="3704">
+          <p15:clr>
+            <a:srgbClr val="A4A3A4"/>
+          </p15:clr>
+        </p15:guide>
+        <p15:guide id="5" pos="3979">
+          <p15:clr>
+            <a:srgbClr val="A4A3A4"/>
+          </p15:clr>
+        </p15:guide>
+      </p15:sldGuideLst>
+    </p:ext>
+  </p:extLst>
 </p:presentation>
 </file>
 
@@ -193,6 +223,7 @@
           <a:p>
             <a:fld id="{914B4503-D632-46BD-85DC-FA5F87B92E73}" type="datetimeFigureOut">
               <a:rPr lang="ko-KR" altLang="en-US" smtClean="0"/>
+              <a:t>2024-08-14</a:t>
             </a:fld>
             <a:endParaRPr lang="ko-KR" altLang="en-US"/>
           </a:p>
@@ -259,7 +290,6 @@
               <a:rPr lang="ko-KR" altLang="en-US"/>
               <a:t>마스터 텍스트 스타일을 편집하려면 클릭</a:t>
             </a:r>
-            <a:endParaRPr lang="ko-KR" altLang="en-US"/>
           </a:p>
           <a:p>
             <a:pPr lvl="1"/>
@@ -267,7 +297,6 @@
               <a:rPr lang="ko-KR" altLang="en-US"/>
               <a:t>두 번째 수준</a:t>
             </a:r>
-            <a:endParaRPr lang="ko-KR" altLang="en-US"/>
           </a:p>
           <a:p>
             <a:pPr lvl="2"/>
@@ -275,7 +304,6 @@
               <a:rPr lang="ko-KR" altLang="en-US"/>
               <a:t>세 번째 수준</a:t>
             </a:r>
-            <a:endParaRPr lang="ko-KR" altLang="en-US"/>
           </a:p>
           <a:p>
             <a:pPr lvl="3"/>
@@ -283,7 +311,6 @@
               <a:rPr lang="ko-KR" altLang="en-US"/>
               <a:t>네 번째 수준</a:t>
             </a:r>
-            <a:endParaRPr lang="ko-KR" altLang="en-US"/>
           </a:p>
           <a:p>
             <a:pPr lvl="4"/>
@@ -291,7 +318,6 @@
               <a:rPr lang="ko-KR" altLang="en-US"/>
               <a:t>다섯 번째 수준</a:t>
             </a:r>
-            <a:endParaRPr lang="ko-KR" altLang="en-US"/>
           </a:p>
         </p:txBody>
       </p:sp>
@@ -355,6 +381,7 @@
           <a:p>
             <a:fld id="{568A9EA4-0CAE-4AF6-974B-FB4327901468}" type="slidenum">
               <a:rPr lang="ko-KR" altLang="en-US" smtClean="0"/>
+              <a:t>‹#›</a:t>
             </a:fld>
             <a:endParaRPr lang="ko-KR" altLang="en-US"/>
           </a:p>
@@ -516,64 +543,6 @@
 </p:notes>
 </file>
 
-<file path=ppt/notesSlides/notesSlide2.xml><?xml version="1.0" encoding="utf-8"?>
-<p:notes xmlns:a="http://schemas.openxmlformats.org/drawingml/2006/main" xmlns:r="http://schemas.openxmlformats.org/officeDocument/2006/relationships" xmlns:p="http://schemas.openxmlformats.org/presentationml/2006/main">
-  <p:cSld>
-    <p:spTree>
-      <p:nvGrpSpPr>
-        <p:cNvPr id="1" name=""/>
-        <p:cNvGrpSpPr/>
-        <p:nvPr/>
-      </p:nvGrpSpPr>
-      <p:grpSpPr>
-        <a:xfrm>
-          <a:off x="0" y="0"/>
-          <a:ext cx="0" cy="0"/>
-          <a:chOff x="0" y="0"/>
-          <a:chExt cx="0" cy="0"/>
-        </a:xfrm>
-      </p:grpSpPr>
-      <p:sp>
-        <p:nvSpPr>
-          <p:cNvPr id="2" name="슬라이드 이미지 개체 틀 1"/>
-          <p:cNvSpPr>
-            <a:spLocks noGrp="1" noRot="1" noChangeAspect="1"/>
-          </p:cNvSpPr>
-          <p:nvPr>
-            <p:ph type="sldImg"/>
-          </p:nvPr>
-        </p:nvSpPr>
-        <p:spPr/>
-      </p:sp>
-      <p:sp>
-        <p:nvSpPr>
-          <p:cNvPr id="3" name="슬라이드 노트 개체 틀 2"/>
-          <p:cNvSpPr>
-            <a:spLocks noGrp="1"/>
-          </p:cNvSpPr>
-          <p:nvPr>
-            <p:ph type="body" idx="1"/>
-          </p:nvPr>
-        </p:nvSpPr>
-        <p:spPr/>
-        <p:txBody>
-          <a:bodyPr>
-            <a:normAutofit/>
-          </a:bodyPr>
-          <a:lstStyle/>
-          <a:p>
-            <a:endParaRPr lang="ko-KR" altLang="en-US"/>
-          </a:p>
-        </p:txBody>
-      </p:sp>
-    </p:spTree>
-  </p:cSld>
-  <p:clrMapOvr>
-    <a:masterClrMapping/>
-  </p:clrMapOvr>
-</p:notes>
-</file>
-
 <file path=ppt/slideLayouts/slideLayout1.xml><?xml version="1.0" encoding="utf-8"?>
 <p:sldLayout xmlns:a="http://schemas.openxmlformats.org/drawingml/2006/main" xmlns:r="http://schemas.openxmlformats.org/officeDocument/2006/relationships" xmlns:p="http://schemas.openxmlformats.org/presentationml/2006/main" type="title" preserve="1">
   <p:cSld name="제목 슬라이드">
@@ -712,6 +681,7 @@
           <a:p>
             <a:fld id="{9D14E6C3-38E1-4BB3-AD9D-B2C3EC07895F}" type="datetimeFigureOut">
               <a:rPr lang="ko-KR" altLang="en-US" smtClean="0"/>
+              <a:t>2024-08-14</a:t>
             </a:fld>
             <a:endParaRPr lang="ko-KR" altLang="en-US"/>
           </a:p>
@@ -753,6 +723,7 @@
           <a:p>
             <a:fld id="{11E80834-31A0-49C0-943A-493FAE4E7C24}" type="slidenum">
               <a:rPr lang="ko-KR" altLang="en-US" smtClean="0"/>
+              <a:t>‹#›</a:t>
             </a:fld>
             <a:endParaRPr lang="ko-KR" altLang="en-US"/>
           </a:p>
@@ -826,7 +797,6 @@
               <a:rPr lang="ko-KR" altLang="en-US"/>
               <a:t>마스터 텍스트 스타일을 편집하려면 클릭</a:t>
             </a:r>
-            <a:endParaRPr lang="ko-KR" altLang="en-US"/>
           </a:p>
           <a:p>
             <a:pPr lvl="1"/>
@@ -834,7 +804,6 @@
               <a:rPr lang="ko-KR" altLang="en-US"/>
               <a:t>두 번째 수준</a:t>
             </a:r>
-            <a:endParaRPr lang="ko-KR" altLang="en-US"/>
           </a:p>
           <a:p>
             <a:pPr lvl="2"/>
@@ -842,7 +811,6 @@
               <a:rPr lang="ko-KR" altLang="en-US"/>
               <a:t>세 번째 수준</a:t>
             </a:r>
-            <a:endParaRPr lang="ko-KR" altLang="en-US"/>
           </a:p>
           <a:p>
             <a:pPr lvl="3"/>
@@ -850,7 +818,6 @@
               <a:rPr lang="ko-KR" altLang="en-US"/>
               <a:t>네 번째 수준</a:t>
             </a:r>
-            <a:endParaRPr lang="ko-KR" altLang="en-US"/>
           </a:p>
           <a:p>
             <a:pPr lvl="4"/>
@@ -879,6 +846,7 @@
           <a:p>
             <a:fld id="{9D14E6C3-38E1-4BB3-AD9D-B2C3EC07895F}" type="datetimeFigureOut">
               <a:rPr lang="ko-KR" altLang="en-US" smtClean="0"/>
+              <a:t>2024-08-14</a:t>
             </a:fld>
             <a:endParaRPr lang="ko-KR" altLang="en-US"/>
           </a:p>
@@ -920,6 +888,7 @@
           <a:p>
             <a:fld id="{11E80834-31A0-49C0-943A-493FAE4E7C24}" type="slidenum">
               <a:rPr lang="ko-KR" altLang="en-US" smtClean="0"/>
+              <a:t>‹#›</a:t>
             </a:fld>
             <a:endParaRPr lang="ko-KR" altLang="en-US"/>
           </a:p>
@@ -1003,7 +972,6 @@
               <a:rPr lang="ko-KR" altLang="en-US"/>
               <a:t>마스터 텍스트 스타일을 편집하려면 클릭</a:t>
             </a:r>
-            <a:endParaRPr lang="ko-KR" altLang="en-US"/>
           </a:p>
           <a:p>
             <a:pPr lvl="1"/>
@@ -1011,7 +979,6 @@
               <a:rPr lang="ko-KR" altLang="en-US"/>
               <a:t>두 번째 수준</a:t>
             </a:r>
-            <a:endParaRPr lang="ko-KR" altLang="en-US"/>
           </a:p>
           <a:p>
             <a:pPr lvl="2"/>
@@ -1019,7 +986,6 @@
               <a:rPr lang="ko-KR" altLang="en-US"/>
               <a:t>세 번째 수준</a:t>
             </a:r>
-            <a:endParaRPr lang="ko-KR" altLang="en-US"/>
           </a:p>
           <a:p>
             <a:pPr lvl="3"/>
@@ -1027,7 +993,6 @@
               <a:rPr lang="ko-KR" altLang="en-US"/>
               <a:t>네 번째 수준</a:t>
             </a:r>
-            <a:endParaRPr lang="ko-KR" altLang="en-US"/>
           </a:p>
           <a:p>
             <a:pPr lvl="4"/>
@@ -1056,6 +1021,7 @@
           <a:p>
             <a:fld id="{9D14E6C3-38E1-4BB3-AD9D-B2C3EC07895F}" type="datetimeFigureOut">
               <a:rPr lang="ko-KR" altLang="en-US" smtClean="0"/>
+              <a:t>2024-08-14</a:t>
             </a:fld>
             <a:endParaRPr lang="ko-KR" altLang="en-US"/>
           </a:p>
@@ -1097,6 +1063,7 @@
           <a:p>
             <a:fld id="{11E80834-31A0-49C0-943A-493FAE4E7C24}" type="slidenum">
               <a:rPr lang="ko-KR" altLang="en-US" smtClean="0"/>
+              <a:t>‹#›</a:t>
             </a:fld>
             <a:endParaRPr lang="ko-KR" altLang="en-US"/>
           </a:p>
@@ -1157,7 +1124,6 @@
               <a:rPr lang="ko-KR" altLang="en-US"/>
               <a:t>마스터 제목 스타일 편집</a:t>
             </a:r>
-            <a:endParaRPr lang="ko-KR" altLang="en-US"/>
           </a:p>
         </p:txBody>
       </p:sp>
@@ -1193,6 +1159,7 @@
           <a:p>
             <a:fld id="{11E80834-31A0-49C0-943A-493FAE4E7C24}" type="slidenum">
               <a:rPr lang="ko-KR" altLang="en-US" smtClean="0"/>
+              <a:t>‹#›</a:t>
             </a:fld>
             <a:endParaRPr lang="ko-KR" altLang="en-US"/>
           </a:p>
@@ -1311,7 +1278,6 @@
               <a:rPr lang="ko-KR" altLang="en-US"/>
               <a:t>마스터 제목 스타일 편집</a:t>
             </a:r>
-            <a:endParaRPr lang="ko-KR" altLang="en-US"/>
           </a:p>
         </p:txBody>
       </p:sp>
@@ -1446,7 +1412,6 @@
               <a:rPr lang="ko-KR" altLang="en-US"/>
               <a:t>마스터 텍스트 스타일을 편집하려면 클릭</a:t>
             </a:r>
-            <a:endParaRPr lang="ko-KR" altLang="en-US"/>
           </a:p>
         </p:txBody>
       </p:sp>
@@ -1517,7 +1482,6 @@
               <a:rPr lang="ko-KR" altLang="en-US"/>
               <a:t>마스터 텍스트 스타일을 편집하려면 클릭</a:t>
             </a:r>
-            <a:endParaRPr lang="ko-KR" altLang="en-US"/>
           </a:p>
           <a:p>
             <a:pPr lvl="1"/>
@@ -1525,7 +1489,6 @@
               <a:rPr lang="ko-KR" altLang="en-US"/>
               <a:t>두 번째 수준</a:t>
             </a:r>
-            <a:endParaRPr lang="ko-KR" altLang="en-US"/>
           </a:p>
           <a:p>
             <a:pPr lvl="2"/>
@@ -1533,7 +1496,6 @@
               <a:rPr lang="ko-KR" altLang="en-US"/>
               <a:t>세 번째 수준</a:t>
             </a:r>
-            <a:endParaRPr lang="ko-KR" altLang="en-US"/>
           </a:p>
         </p:txBody>
       </p:sp>
@@ -1581,6 +1543,7 @@
                 <a:ea typeface="Malgun Gothic" panose="020B0503020000020004" pitchFamily="50" charset="-127"/>
                 <a:cs typeface="Tahoma" panose="020B0604030504040204" pitchFamily="34" charset="0"/>
               </a:rPr>
+              <a:t>‹#›</a:t>
             </a:fld>
             <a:endParaRPr lang="ko-KR" altLang="ko-KR" sz="1110" b="0">
               <a:solidFill>
@@ -1605,7 +1568,7 @@
 </file>
 
 <file path=ppt/slideLayouts/slideLayout15.xml><?xml version="1.0" encoding="utf-8"?>
-<p:sldLayout xmlns:a="http://schemas.openxmlformats.org/drawingml/2006/main" xmlns:r="http://schemas.openxmlformats.org/officeDocument/2006/relationships" xmlns:p="http://schemas.openxmlformats.org/presentationml/2006/main" type="title" showMasterSp="0">
+<p:sldLayout xmlns:a="http://schemas.openxmlformats.org/drawingml/2006/main" xmlns:r="http://schemas.openxmlformats.org/officeDocument/2006/relationships" xmlns:p="http://schemas.openxmlformats.org/presentationml/2006/main" showMasterSp="0" type="title">
   <p:cSld name="표지">
     <p:spTree>
       <p:nvGrpSpPr>
@@ -1682,7 +1645,13 @@
             <a:tbl>
               <a:tblPr/>
               <a:tblGrid>
-                <a:gridCol w="11154850"/>
+                <a:gridCol w="11154850">
+                  <a:extLst>
+                    <a:ext uri="{9D8B030D-6E8A-4147-A177-3AD203B41FA5}">
+                      <a16:colId xmlns:a16="http://schemas.microsoft.com/office/drawing/2014/main" val="20000"/>
+                    </a:ext>
+                  </a:extLst>
+                </a:gridCol>
               </a:tblGrid>
               <a:tr h="485760">
                 <a:tc>
@@ -1754,6 +1723,11 @@
                     </a:solidFill>
                   </a:tcPr>
                 </a:tc>
+                <a:extLst>
+                  <a:ext uri="{0D108BD9-81ED-4DB2-BD59-A6C34878D82A}">
+                    <a16:rowId xmlns:a16="http://schemas.microsoft.com/office/drawing/2014/main" val="10000"/>
+                  </a:ext>
+                </a:extLst>
               </a:tr>
             </a:tbl>
           </a:graphicData>
@@ -1922,7 +1896,6 @@
               <a:rPr lang="ko-KR" altLang="en-US"/>
               <a:t>마스터 텍스트 스타일을 편집하려면 클릭</a:t>
             </a:r>
-            <a:endParaRPr lang="ko-KR" altLang="en-US"/>
           </a:p>
           <a:p>
             <a:pPr lvl="1"/>
@@ -1930,7 +1903,6 @@
               <a:rPr lang="ko-KR" altLang="en-US"/>
               <a:t>두 번째 수준</a:t>
             </a:r>
-            <a:endParaRPr lang="ko-KR" altLang="en-US"/>
           </a:p>
           <a:p>
             <a:pPr lvl="2"/>
@@ -1938,7 +1910,6 @@
               <a:rPr lang="ko-KR" altLang="en-US"/>
               <a:t>세 번째 수준</a:t>
             </a:r>
-            <a:endParaRPr lang="ko-KR" altLang="en-US"/>
           </a:p>
           <a:p>
             <a:pPr lvl="3"/>
@@ -1946,7 +1917,6 @@
               <a:rPr lang="ko-KR" altLang="en-US"/>
               <a:t>네 번째 수준</a:t>
             </a:r>
-            <a:endParaRPr lang="ko-KR" altLang="en-US"/>
           </a:p>
           <a:p>
             <a:pPr lvl="4"/>
@@ -1975,6 +1945,7 @@
           <a:p>
             <a:fld id="{9D14E6C3-38E1-4BB3-AD9D-B2C3EC07895F}" type="datetimeFigureOut">
               <a:rPr lang="ko-KR" altLang="en-US" smtClean="0"/>
+              <a:t>2024-08-14</a:t>
             </a:fld>
             <a:endParaRPr lang="ko-KR" altLang="en-US"/>
           </a:p>
@@ -2016,6 +1987,7 @@
           <a:p>
             <a:fld id="{11E80834-31A0-49C0-943A-493FAE4E7C24}" type="slidenum">
               <a:rPr lang="ko-KR" altLang="en-US" smtClean="0"/>
+              <a:t>‹#›</a:t>
             </a:fld>
             <a:endParaRPr lang="ko-KR" altLang="en-US"/>
           </a:p>
@@ -2192,7 +2164,6 @@
               <a:rPr lang="ko-KR" altLang="en-US"/>
               <a:t>마스터 텍스트 스타일을 편집하려면 클릭</a:t>
             </a:r>
-            <a:endParaRPr lang="ko-KR" altLang="en-US"/>
           </a:p>
         </p:txBody>
       </p:sp>
@@ -2213,6 +2184,7 @@
           <a:p>
             <a:fld id="{9D14E6C3-38E1-4BB3-AD9D-B2C3EC07895F}" type="datetimeFigureOut">
               <a:rPr lang="ko-KR" altLang="en-US" smtClean="0"/>
+              <a:t>2024-08-14</a:t>
             </a:fld>
             <a:endParaRPr lang="ko-KR" altLang="en-US"/>
           </a:p>
@@ -2254,6 +2226,7 @@
           <a:p>
             <a:fld id="{11E80834-31A0-49C0-943A-493FAE4E7C24}" type="slidenum">
               <a:rPr lang="ko-KR" altLang="en-US" smtClean="0"/>
+              <a:t>‹#›</a:t>
             </a:fld>
             <a:endParaRPr lang="ko-KR" altLang="en-US"/>
           </a:p>
@@ -2332,7 +2305,6 @@
               <a:rPr lang="ko-KR" altLang="en-US"/>
               <a:t>마스터 텍스트 스타일을 편집하려면 클릭</a:t>
             </a:r>
-            <a:endParaRPr lang="ko-KR" altLang="en-US"/>
           </a:p>
           <a:p>
             <a:pPr lvl="1"/>
@@ -2340,7 +2312,6 @@
               <a:rPr lang="ko-KR" altLang="en-US"/>
               <a:t>두 번째 수준</a:t>
             </a:r>
-            <a:endParaRPr lang="ko-KR" altLang="en-US"/>
           </a:p>
           <a:p>
             <a:pPr lvl="2"/>
@@ -2348,7 +2319,6 @@
               <a:rPr lang="ko-KR" altLang="en-US"/>
               <a:t>세 번째 수준</a:t>
             </a:r>
-            <a:endParaRPr lang="ko-KR" altLang="en-US"/>
           </a:p>
           <a:p>
             <a:pPr lvl="3"/>
@@ -2356,7 +2326,6 @@
               <a:rPr lang="ko-KR" altLang="en-US"/>
               <a:t>네 번째 수준</a:t>
             </a:r>
-            <a:endParaRPr lang="ko-KR" altLang="en-US"/>
           </a:p>
           <a:p>
             <a:pPr lvl="4"/>
@@ -2393,7 +2362,6 @@
               <a:rPr lang="ko-KR" altLang="en-US"/>
               <a:t>마스터 텍스트 스타일을 편집하려면 클릭</a:t>
             </a:r>
-            <a:endParaRPr lang="ko-KR" altLang="en-US"/>
           </a:p>
           <a:p>
             <a:pPr lvl="1"/>
@@ -2401,7 +2369,6 @@
               <a:rPr lang="ko-KR" altLang="en-US"/>
               <a:t>두 번째 수준</a:t>
             </a:r>
-            <a:endParaRPr lang="ko-KR" altLang="en-US"/>
           </a:p>
           <a:p>
             <a:pPr lvl="2"/>
@@ -2409,7 +2376,6 @@
               <a:rPr lang="ko-KR" altLang="en-US"/>
               <a:t>세 번째 수준</a:t>
             </a:r>
-            <a:endParaRPr lang="ko-KR" altLang="en-US"/>
           </a:p>
           <a:p>
             <a:pPr lvl="3"/>
@@ -2417,7 +2383,6 @@
               <a:rPr lang="ko-KR" altLang="en-US"/>
               <a:t>네 번째 수준</a:t>
             </a:r>
-            <a:endParaRPr lang="ko-KR" altLang="en-US"/>
           </a:p>
           <a:p>
             <a:pPr lvl="4"/>
@@ -2446,6 +2411,7 @@
           <a:p>
             <a:fld id="{9D14E6C3-38E1-4BB3-AD9D-B2C3EC07895F}" type="datetimeFigureOut">
               <a:rPr lang="ko-KR" altLang="en-US" smtClean="0"/>
+              <a:t>2024-08-14</a:t>
             </a:fld>
             <a:endParaRPr lang="ko-KR" altLang="en-US"/>
           </a:p>
@@ -2487,6 +2453,7 @@
           <a:p>
             <a:fld id="{11E80834-31A0-49C0-943A-493FAE4E7C24}" type="slidenum">
               <a:rPr lang="ko-KR" altLang="en-US" smtClean="0"/>
+              <a:t>‹#›</a:t>
             </a:fld>
             <a:endParaRPr lang="ko-KR" altLang="en-US"/>
           </a:p>
@@ -2607,7 +2574,6 @@
               <a:rPr lang="ko-KR" altLang="en-US"/>
               <a:t>마스터 텍스트 스타일을 편집하려면 클릭</a:t>
             </a:r>
-            <a:endParaRPr lang="ko-KR" altLang="en-US"/>
           </a:p>
         </p:txBody>
       </p:sp>
@@ -2636,7 +2602,6 @@
               <a:rPr lang="ko-KR" altLang="en-US"/>
               <a:t>마스터 텍스트 스타일을 편집하려면 클릭</a:t>
             </a:r>
-            <a:endParaRPr lang="ko-KR" altLang="en-US"/>
           </a:p>
           <a:p>
             <a:pPr lvl="1"/>
@@ -2644,7 +2609,6 @@
               <a:rPr lang="ko-KR" altLang="en-US"/>
               <a:t>두 번째 수준</a:t>
             </a:r>
-            <a:endParaRPr lang="ko-KR" altLang="en-US"/>
           </a:p>
           <a:p>
             <a:pPr lvl="2"/>
@@ -2652,7 +2616,6 @@
               <a:rPr lang="ko-KR" altLang="en-US"/>
               <a:t>세 번째 수준</a:t>
             </a:r>
-            <a:endParaRPr lang="ko-KR" altLang="en-US"/>
           </a:p>
           <a:p>
             <a:pPr lvl="3"/>
@@ -2660,7 +2623,6 @@
               <a:rPr lang="ko-KR" altLang="en-US"/>
               <a:t>네 번째 수준</a:t>
             </a:r>
-            <a:endParaRPr lang="ko-KR" altLang="en-US"/>
           </a:p>
           <a:p>
             <a:pPr lvl="4"/>
@@ -2734,7 +2696,6 @@
               <a:rPr lang="ko-KR" altLang="en-US"/>
               <a:t>마스터 텍스트 스타일을 편집하려면 클릭</a:t>
             </a:r>
-            <a:endParaRPr lang="ko-KR" altLang="en-US"/>
           </a:p>
         </p:txBody>
       </p:sp>
@@ -2763,7 +2724,6 @@
               <a:rPr lang="ko-KR" altLang="en-US"/>
               <a:t>마스터 텍스트 스타일을 편집하려면 클릭</a:t>
             </a:r>
-            <a:endParaRPr lang="ko-KR" altLang="en-US"/>
           </a:p>
           <a:p>
             <a:pPr lvl="1"/>
@@ -2771,7 +2731,6 @@
               <a:rPr lang="ko-KR" altLang="en-US"/>
               <a:t>두 번째 수준</a:t>
             </a:r>
-            <a:endParaRPr lang="ko-KR" altLang="en-US"/>
           </a:p>
           <a:p>
             <a:pPr lvl="2"/>
@@ -2779,7 +2738,6 @@
               <a:rPr lang="ko-KR" altLang="en-US"/>
               <a:t>세 번째 수준</a:t>
             </a:r>
-            <a:endParaRPr lang="ko-KR" altLang="en-US"/>
           </a:p>
           <a:p>
             <a:pPr lvl="3"/>
@@ -2787,7 +2745,6 @@
               <a:rPr lang="ko-KR" altLang="en-US"/>
               <a:t>네 번째 수준</a:t>
             </a:r>
-            <a:endParaRPr lang="ko-KR" altLang="en-US"/>
           </a:p>
           <a:p>
             <a:pPr lvl="4"/>
@@ -2816,6 +2773,7 @@
           <a:p>
             <a:fld id="{9D14E6C3-38E1-4BB3-AD9D-B2C3EC07895F}" type="datetimeFigureOut">
               <a:rPr lang="ko-KR" altLang="en-US" smtClean="0"/>
+              <a:t>2024-08-14</a:t>
             </a:fld>
             <a:endParaRPr lang="ko-KR" altLang="en-US"/>
           </a:p>
@@ -2857,6 +2815,7 @@
           <a:p>
             <a:fld id="{11E80834-31A0-49C0-943A-493FAE4E7C24}" type="slidenum">
               <a:rPr lang="ko-KR" altLang="en-US" smtClean="0"/>
+              <a:t>‹#›</a:t>
             </a:fld>
             <a:endParaRPr lang="ko-KR" altLang="en-US"/>
           </a:p>
@@ -2927,6 +2886,7 @@
           <a:p>
             <a:fld id="{9D14E6C3-38E1-4BB3-AD9D-B2C3EC07895F}" type="datetimeFigureOut">
               <a:rPr lang="ko-KR" altLang="en-US" smtClean="0"/>
+              <a:t>2024-08-14</a:t>
             </a:fld>
             <a:endParaRPr lang="ko-KR" altLang="en-US"/>
           </a:p>
@@ -2968,6 +2928,7 @@
           <a:p>
             <a:fld id="{11E80834-31A0-49C0-943A-493FAE4E7C24}" type="slidenum">
               <a:rPr lang="ko-KR" altLang="en-US" smtClean="0"/>
+              <a:t>‹#›</a:t>
             </a:fld>
             <a:endParaRPr lang="ko-KR" altLang="en-US"/>
           </a:p>
@@ -3015,6 +2976,7 @@
           <a:p>
             <a:fld id="{9D14E6C3-38E1-4BB3-AD9D-B2C3EC07895F}" type="datetimeFigureOut">
               <a:rPr lang="ko-KR" altLang="en-US" smtClean="0"/>
+              <a:t>2024-08-14</a:t>
             </a:fld>
             <a:endParaRPr lang="ko-KR" altLang="en-US"/>
           </a:p>
@@ -3056,6 +3018,7 @@
           <a:p>
             <a:fld id="{11E80834-31A0-49C0-943A-493FAE4E7C24}" type="slidenum">
               <a:rPr lang="ko-KR" altLang="en-US" smtClean="0"/>
+              <a:t>‹#›</a:t>
             </a:fld>
             <a:endParaRPr lang="ko-KR" altLang="en-US"/>
           </a:p>
@@ -3171,7 +3134,6 @@
               <a:rPr lang="ko-KR" altLang="en-US"/>
               <a:t>마스터 텍스트 스타일을 편집하려면 클릭</a:t>
             </a:r>
-            <a:endParaRPr lang="ko-KR" altLang="en-US"/>
           </a:p>
           <a:p>
             <a:pPr lvl="1"/>
@@ -3179,7 +3141,6 @@
               <a:rPr lang="ko-KR" altLang="en-US"/>
               <a:t>두 번째 수준</a:t>
             </a:r>
-            <a:endParaRPr lang="ko-KR" altLang="en-US"/>
           </a:p>
           <a:p>
             <a:pPr lvl="2"/>
@@ -3187,7 +3148,6 @@
               <a:rPr lang="ko-KR" altLang="en-US"/>
               <a:t>세 번째 수준</a:t>
             </a:r>
-            <a:endParaRPr lang="ko-KR" altLang="en-US"/>
           </a:p>
           <a:p>
             <a:pPr lvl="3"/>
@@ -3195,7 +3155,6 @@
               <a:rPr lang="ko-KR" altLang="en-US"/>
               <a:t>네 번째 수준</a:t>
             </a:r>
-            <a:endParaRPr lang="ko-KR" altLang="en-US"/>
           </a:p>
           <a:p>
             <a:pPr lvl="4"/>
@@ -3269,7 +3228,6 @@
               <a:rPr lang="ko-KR" altLang="en-US"/>
               <a:t>마스터 텍스트 스타일을 편집하려면 클릭</a:t>
             </a:r>
-            <a:endParaRPr lang="ko-KR" altLang="en-US"/>
           </a:p>
         </p:txBody>
       </p:sp>
@@ -3290,6 +3248,7 @@
           <a:p>
             <a:fld id="{9D14E6C3-38E1-4BB3-AD9D-B2C3EC07895F}" type="datetimeFigureOut">
               <a:rPr lang="ko-KR" altLang="en-US" smtClean="0"/>
+              <a:t>2024-08-14</a:t>
             </a:fld>
             <a:endParaRPr lang="ko-KR" altLang="en-US"/>
           </a:p>
@@ -3331,6 +3290,7 @@
           <a:p>
             <a:fld id="{11E80834-31A0-49C0-943A-493FAE4E7C24}" type="slidenum">
               <a:rPr lang="ko-KR" altLang="en-US" smtClean="0"/>
+              <a:t>‹#›</a:t>
             </a:fld>
             <a:endParaRPr lang="ko-KR" altLang="en-US"/>
           </a:p>
@@ -3520,7 +3480,6 @@
               <a:rPr lang="ko-KR" altLang="en-US"/>
               <a:t>마스터 텍스트 스타일을 편집하려면 클릭</a:t>
             </a:r>
-            <a:endParaRPr lang="ko-KR" altLang="en-US"/>
           </a:p>
         </p:txBody>
       </p:sp>
@@ -3541,6 +3500,7 @@
           <a:p>
             <a:fld id="{9D14E6C3-38E1-4BB3-AD9D-B2C3EC07895F}" type="datetimeFigureOut">
               <a:rPr lang="ko-KR" altLang="en-US" smtClean="0"/>
+              <a:t>2024-08-14</a:t>
             </a:fld>
             <a:endParaRPr lang="ko-KR" altLang="en-US"/>
           </a:p>
@@ -3582,6 +3542,7 @@
           <a:p>
             <a:fld id="{11E80834-31A0-49C0-943A-493FAE4E7C24}" type="slidenum">
               <a:rPr lang="ko-KR" altLang="en-US" smtClean="0"/>
+              <a:t>‹#›</a:t>
             </a:fld>
             <a:endParaRPr lang="ko-KR" altLang="en-US"/>
           </a:p>
@@ -3680,7 +3641,6 @@
               <a:rPr lang="ko-KR" altLang="en-US"/>
               <a:t>마스터 텍스트 스타일을 편집하려면 클릭</a:t>
             </a:r>
-            <a:endParaRPr lang="ko-KR" altLang="en-US"/>
           </a:p>
           <a:p>
             <a:pPr lvl="1"/>
@@ -3688,7 +3648,6 @@
               <a:rPr lang="ko-KR" altLang="en-US"/>
               <a:t>두 번째 수준</a:t>
             </a:r>
-            <a:endParaRPr lang="ko-KR" altLang="en-US"/>
           </a:p>
           <a:p>
             <a:pPr lvl="2"/>
@@ -3696,7 +3655,6 @@
               <a:rPr lang="ko-KR" altLang="en-US"/>
               <a:t>세 번째 수준</a:t>
             </a:r>
-            <a:endParaRPr lang="ko-KR" altLang="en-US"/>
           </a:p>
           <a:p>
             <a:pPr lvl="3"/>
@@ -3704,7 +3662,6 @@
               <a:rPr lang="ko-KR" altLang="en-US"/>
               <a:t>네 번째 수준</a:t>
             </a:r>
-            <a:endParaRPr lang="ko-KR" altLang="en-US"/>
           </a:p>
           <a:p>
             <a:pPr lvl="4"/>
@@ -3751,6 +3708,7 @@
           <a:p>
             <a:fld id="{9D14E6C3-38E1-4BB3-AD9D-B2C3EC07895F}" type="datetimeFigureOut">
               <a:rPr lang="ko-KR" altLang="en-US" smtClean="0"/>
+              <a:t>2024-08-14</a:t>
             </a:fld>
             <a:endParaRPr lang="ko-KR" altLang="en-US"/>
           </a:p>
@@ -3828,6 +3786,7 @@
           <a:p>
             <a:fld id="{11E80834-31A0-49C0-943A-493FAE4E7C24}" type="slidenum">
               <a:rPr lang="ko-KR" altLang="en-US" smtClean="0"/>
+              <a:t>‹#›</a:t>
             </a:fld>
             <a:endParaRPr lang="ko-KR" altLang="en-US"/>
           </a:p>
@@ -4628,17 +4587,6 @@
               </a:rPr>
               <a:t>프로젝트</a:t>
             </a:r>
-            <a:endParaRPr lang="ko-KR" altLang="en-US" sz="1200" b="1" dirty="0">
-              <a:ln>
-                <a:solidFill>
-                  <a:srgbClr val="FFFFFF">
-                    <a:alpha val="0"/>
-                  </a:srgbClr>
-                </a:solidFill>
-              </a:ln>
-              <a:latin typeface="+mj-ea"/>
-              <a:ea typeface="+mj-ea"/>
-            </a:endParaRPr>
           </a:p>
         </p:txBody>
       </p:sp>
@@ -4700,17 +4648,6 @@
               </a:rPr>
               <a:t>경험</a:t>
             </a:r>
-            <a:endParaRPr lang="ko-KR" altLang="en-US" sz="1200" b="1" dirty="0">
-              <a:ln>
-                <a:solidFill>
-                  <a:srgbClr val="FFFFFF">
-                    <a:alpha val="0"/>
-                  </a:srgbClr>
-                </a:solidFill>
-              </a:ln>
-              <a:latin typeface="+mj-ea"/>
-              <a:ea typeface="+mj-ea"/>
-            </a:endParaRPr>
           </a:p>
         </p:txBody>
       </p:sp>
@@ -4854,7 +4791,6 @@
               <a:rPr lang="en-US" altLang="ko-KR" sz="1200" dirty="0"/>
               <a:t>)</a:t>
             </a:r>
-            <a:endParaRPr lang="en-US" altLang="ko-KR" sz="1200" dirty="0"/>
           </a:p>
           <a:p>
             <a:pPr algn="l">
@@ -4906,7 +4842,6 @@
               <a:rPr lang="ko-KR" altLang="en-US" sz="1200" dirty="0"/>
               <a:t> 중요시하다</a:t>
             </a:r>
-            <a:endParaRPr lang="ko-KR" altLang="en-US" sz="1200" dirty="0"/>
           </a:p>
           <a:p>
             <a:pPr algn="l">
@@ -4978,7 +4913,6 @@
               <a:rPr lang="ko-KR" altLang="en-US" sz="1200" dirty="0"/>
               <a:t>보고하기</a:t>
             </a:r>
-            <a:endParaRPr lang="ko-KR" altLang="en-US" sz="1200" dirty="0"/>
           </a:p>
           <a:p>
             <a:pPr algn="l">
@@ -5018,7 +4952,6 @@
               <a:rPr lang="ko-KR" altLang="en-US" sz="1200" dirty="0"/>
               <a:t> 자리에서 일하기</a:t>
             </a:r>
-            <a:endParaRPr lang="ko-KR" altLang="en-US" sz="1200" dirty="0"/>
           </a:p>
           <a:p>
             <a:pPr algn="l">
@@ -5058,7 +4991,6 @@
               <a:rPr lang="ko-KR" altLang="en-US" sz="1200" b="1" dirty="0"/>
               <a:t>심화 학습 </a:t>
             </a:r>
-            <a:endParaRPr lang="ko-KR" altLang="en-US" sz="1200" b="1" dirty="0"/>
           </a:p>
           <a:p>
             <a:pPr algn="l">
@@ -5094,7 +5026,6 @@
               <a:rPr lang="ko-KR" altLang="en-US" sz="1200" b="1" dirty="0"/>
               <a:t>보여주기</a:t>
             </a:r>
-            <a:endParaRPr lang="ko-KR" altLang="en-US" sz="1200" b="1" dirty="0"/>
           </a:p>
           <a:p>
             <a:pPr algn="l">
@@ -5142,7 +5073,6 @@
               <a:rPr lang="ko-KR" altLang="en-US" sz="1200" b="1" u="sng" dirty="0"/>
               <a:t>질문</a:t>
             </a:r>
-            <a:endParaRPr lang="ko-KR" altLang="en-US" sz="1200" b="1" u="sng" dirty="0"/>
           </a:p>
         </p:txBody>
       </p:sp>
@@ -5230,7 +5160,6 @@
               <a:rPr lang="ko-KR" altLang="en-US" sz="1200" dirty="0"/>
               <a:t>파트</a:t>
             </a:r>
-            <a:endParaRPr lang="ko-KR" altLang="en-US" sz="1200" dirty="0"/>
           </a:p>
           <a:p>
             <a:pPr algn="l">
@@ -5262,7 +5191,6 @@
               <a:rPr lang="en-US" altLang="ko-KR" sz="1200" b="1" dirty="0"/>
               <a:t>)</a:t>
             </a:r>
-            <a:endParaRPr lang="en-US" altLang="ko-KR" sz="1200" b="1" dirty="0"/>
           </a:p>
           <a:p>
             <a:pPr algn="l">
@@ -5290,7 +5218,6 @@
               <a:rPr lang="en-US" altLang="ko-KR" sz="1200" dirty="0"/>
               <a:t>)</a:t>
             </a:r>
-            <a:endParaRPr lang="en-US" altLang="ko-KR" sz="1200" dirty="0"/>
           </a:p>
           <a:p>
             <a:pPr algn="l">
@@ -5326,7 +5253,6 @@
               <a:rPr lang="ko-KR" altLang="en-US" sz="1200" dirty="0"/>
               <a:t>개인 프로젝트</a:t>
             </a:r>
-            <a:endParaRPr lang="ko-KR" altLang="en-US" sz="1200" dirty="0"/>
           </a:p>
           <a:p>
             <a:pPr algn="l">
@@ -5350,7 +5276,6 @@
               <a:rPr lang="ko-KR" altLang="en-US" sz="1200" b="1" dirty="0"/>
               <a:t>회의</a:t>
             </a:r>
-            <a:endParaRPr lang="ko-KR" altLang="en-US" sz="1200" b="1" dirty="0"/>
           </a:p>
           <a:p>
             <a:pPr algn="l">
@@ -5378,7 +5303,6 @@
               <a:rPr lang="ko-KR" altLang="en-US" sz="1200" b="1" dirty="0"/>
               <a:t>테스트 및 오류 수정 </a:t>
             </a:r>
-            <a:endParaRPr lang="ko-KR" altLang="en-US" sz="1200" b="1" dirty="0"/>
           </a:p>
           <a:p>
             <a:pPr algn="l">
@@ -5406,7 +5330,6 @@
               <a:rPr lang="ko-KR" altLang="en-US" sz="1200" dirty="0"/>
               <a:t>성공</a:t>
             </a:r>
-            <a:endParaRPr lang="ko-KR" altLang="en-US" sz="1200" dirty="0"/>
           </a:p>
           <a:p>
             <a:pPr algn="l">
@@ -5430,7 +5353,6 @@
               <a:rPr lang="ko-KR" altLang="en-US" sz="1200" dirty="0"/>
               <a:t>로 업무 전환</a:t>
             </a:r>
-            <a:endParaRPr lang="ko-KR" altLang="en-US" sz="1200" dirty="0"/>
           </a:p>
           <a:p>
             <a:pPr algn="l">
@@ -5454,7 +5376,6 @@
               <a:rPr lang="ko-KR" altLang="en-US" sz="1200" b="1" dirty="0"/>
               <a:t>개인 프로젝트</a:t>
             </a:r>
-            <a:endParaRPr lang="ko-KR" altLang="en-US" sz="1200" b="1" dirty="0"/>
           </a:p>
           <a:p>
             <a:pPr algn="l">
@@ -5470,1180 +5391,6 @@
               <a:rPr lang="ko-KR" altLang="en-US" sz="1200" b="1" dirty="0"/>
               <a:t>다시 정리하기</a:t>
             </a:r>
-            <a:endParaRPr lang="ko-KR" altLang="en-US" sz="1200" b="1" dirty="0"/>
-          </a:p>
-        </p:txBody>
-      </p:sp>
-    </p:spTree>
-  </p:cSld>
-  <p:clrMapOvr>
-    <a:masterClrMapping/>
-  </p:clrMapOvr>
-</p:sld>
-</file>
-
-<file path=ppt/slides/slide2.xml><?xml version="1.0" encoding="utf-8"?>
-<p:sld xmlns:a="http://schemas.openxmlformats.org/drawingml/2006/main" xmlns:r="http://schemas.openxmlformats.org/officeDocument/2006/relationships" xmlns:p="http://schemas.openxmlformats.org/presentationml/2006/main">
-  <p:cSld>
-    <p:spTree>
-      <p:nvGrpSpPr>
-        <p:cNvPr id="1" name=""/>
-        <p:cNvGrpSpPr/>
-        <p:nvPr/>
-      </p:nvGrpSpPr>
-      <p:grpSpPr>
-        <a:xfrm>
-          <a:off x="0" y="0"/>
-          <a:ext cx="0" cy="0"/>
-          <a:chOff x="0" y="0"/>
-          <a:chExt cx="0" cy="0"/>
-        </a:xfrm>
-      </p:grpSpPr>
-      <p:sp>
-        <p:nvSpPr>
-          <p:cNvPr id="7" name="Text Box 24"/>
-          <p:cNvSpPr txBox="1">
-            <a:spLocks noChangeArrowheads="1"/>
-          </p:cNvSpPr>
-          <p:nvPr/>
-        </p:nvSpPr>
-        <p:spPr bwMode="auto">
-          <a:xfrm>
-            <a:off x="4229351" y="1380850"/>
-            <a:ext cx="6303962" cy="391967"/>
-          </a:xfrm>
-          <a:prstGeom prst="rect">
-            <a:avLst/>
-          </a:prstGeom>
-          <a:noFill/>
-          <a:ln>
-            <a:noFill/>
-          </a:ln>
-          <a:extLst>
-            <a:ext uri="{909E8E84-426E-40DD-AFC4-6F175D3DCCD1}">
-              <a14:hiddenFill xmlns:a14="http://schemas.microsoft.com/office/drawing/2010/main">
-                <a:solidFill>
-                  <a:srgbClr val="FFFFFF"/>
-                </a:solidFill>
-              </a14:hiddenFill>
-            </a:ext>
-            <a:ext uri="{91240B29-F687-4F45-9708-019B960494DF}">
-              <a14:hiddenLine xmlns:a14="http://schemas.microsoft.com/office/drawing/2010/main" w="12700">
-                <a:solidFill>
-                  <a:srgbClr val="000000"/>
-                </a:solidFill>
-                <a:miter lim="800000"/>
-                <a:headEnd/>
-                <a:tailEnd/>
-              </a14:hiddenLine>
-            </a:ext>
-          </a:extLst>
-        </p:spPr>
-        <p:txBody>
-          <a:bodyPr>
-            <a:spAutoFit/>
-          </a:bodyPr>
-          <a:lstStyle>
-            <a:lvl1pPr eaLnBrk="0" hangingPunct="0">
-              <a:defRPr kumimoji="1" sz="2400">
-                <a:solidFill>
-                  <a:schemeClr val="tx1"/>
-                </a:solidFill>
-                <a:latin typeface="Times New Roman" panose="02020603050405020304" pitchFamily="18" charset="0"/>
-                <a:ea typeface="BatangChe" panose="02030609000101010101" pitchFamily="17" charset="-127"/>
-              </a:defRPr>
-            </a:lvl1pPr>
-            <a:lvl2pPr marL="742950" indent="-285750" eaLnBrk="0" hangingPunct="0">
-              <a:defRPr kumimoji="1" sz="2400">
-                <a:solidFill>
-                  <a:schemeClr val="tx1"/>
-                </a:solidFill>
-                <a:latin typeface="Times New Roman" panose="02020603050405020304" pitchFamily="18" charset="0"/>
-                <a:ea typeface="BatangChe" panose="02030609000101010101" pitchFamily="17" charset="-127"/>
-              </a:defRPr>
-            </a:lvl2pPr>
-            <a:lvl3pPr marL="1143000" indent="-228600" eaLnBrk="0" hangingPunct="0">
-              <a:defRPr kumimoji="1" sz="2400">
-                <a:solidFill>
-                  <a:schemeClr val="tx1"/>
-                </a:solidFill>
-                <a:latin typeface="Times New Roman" panose="02020603050405020304" pitchFamily="18" charset="0"/>
-                <a:ea typeface="BatangChe" panose="02030609000101010101" pitchFamily="17" charset="-127"/>
-              </a:defRPr>
-            </a:lvl3pPr>
-            <a:lvl4pPr marL="1600200" indent="-228600" eaLnBrk="0" hangingPunct="0">
-              <a:defRPr kumimoji="1" sz="2400">
-                <a:solidFill>
-                  <a:schemeClr val="tx1"/>
-                </a:solidFill>
-                <a:latin typeface="Times New Roman" panose="02020603050405020304" pitchFamily="18" charset="0"/>
-                <a:ea typeface="BatangChe" panose="02030609000101010101" pitchFamily="17" charset="-127"/>
-              </a:defRPr>
-            </a:lvl4pPr>
-            <a:lvl5pPr marL="2057400" indent="-228600" eaLnBrk="0" hangingPunct="0">
-              <a:defRPr kumimoji="1" sz="2400">
-                <a:solidFill>
-                  <a:schemeClr val="tx1"/>
-                </a:solidFill>
-                <a:latin typeface="Times New Roman" panose="02020603050405020304" pitchFamily="18" charset="0"/>
-                <a:ea typeface="BatangChe" panose="02030609000101010101" pitchFamily="17" charset="-127"/>
-              </a:defRPr>
-            </a:lvl5pPr>
-            <a:lvl6pPr marL="2514600" indent="-228600" eaLnBrk="0" fontAlgn="base" hangingPunct="0">
-              <a:spcBef>
-                <a:spcPct val="0"/>
-              </a:spcBef>
-              <a:spcAft>
-                <a:spcPct val="0"/>
-              </a:spcAft>
-              <a:defRPr kumimoji="1" sz="2400">
-                <a:solidFill>
-                  <a:schemeClr val="tx1"/>
-                </a:solidFill>
-                <a:latin typeface="Times New Roman" panose="02020603050405020304" pitchFamily="18" charset="0"/>
-                <a:ea typeface="BatangChe" panose="02030609000101010101" pitchFamily="17" charset="-127"/>
-              </a:defRPr>
-            </a:lvl6pPr>
-            <a:lvl7pPr marL="2971800" indent="-228600" eaLnBrk="0" fontAlgn="base" hangingPunct="0">
-              <a:spcBef>
-                <a:spcPct val="0"/>
-              </a:spcBef>
-              <a:spcAft>
-                <a:spcPct val="0"/>
-              </a:spcAft>
-              <a:defRPr kumimoji="1" sz="2400">
-                <a:solidFill>
-                  <a:schemeClr val="tx1"/>
-                </a:solidFill>
-                <a:latin typeface="Times New Roman" panose="02020603050405020304" pitchFamily="18" charset="0"/>
-                <a:ea typeface="BatangChe" panose="02030609000101010101" pitchFamily="17" charset="-127"/>
-              </a:defRPr>
-            </a:lvl7pPr>
-            <a:lvl8pPr marL="3429000" indent="-228600" eaLnBrk="0" fontAlgn="base" hangingPunct="0">
-              <a:spcBef>
-                <a:spcPct val="0"/>
-              </a:spcBef>
-              <a:spcAft>
-                <a:spcPct val="0"/>
-              </a:spcAft>
-              <a:defRPr kumimoji="1" sz="2400">
-                <a:solidFill>
-                  <a:schemeClr val="tx1"/>
-                </a:solidFill>
-                <a:latin typeface="Times New Roman" panose="02020603050405020304" pitchFamily="18" charset="0"/>
-                <a:ea typeface="BatangChe" panose="02030609000101010101" pitchFamily="17" charset="-127"/>
-              </a:defRPr>
-            </a:lvl8pPr>
-            <a:lvl9pPr marL="3886200" indent="-228600" eaLnBrk="0" fontAlgn="base" hangingPunct="0">
-              <a:spcBef>
-                <a:spcPct val="0"/>
-              </a:spcBef>
-              <a:spcAft>
-                <a:spcPct val="0"/>
-              </a:spcAft>
-              <a:defRPr kumimoji="1" sz="2400">
-                <a:solidFill>
-                  <a:schemeClr val="tx1"/>
-                </a:solidFill>
-                <a:latin typeface="Times New Roman" panose="02020603050405020304" pitchFamily="18" charset="0"/>
-                <a:ea typeface="BatangChe" panose="02030609000101010101" pitchFamily="17" charset="-127"/>
-              </a:defRPr>
-            </a:lvl9pPr>
-          </a:lstStyle>
-          <a:p>
-            <a:pPr algn="r" latinLnBrk="0">
-              <a:lnSpc>
-                <a:spcPct val="120000"/>
-              </a:lnSpc>
-              <a:spcBef>
-                <a:spcPct val="0"/>
-              </a:spcBef>
-              <a:buFontTx/>
-              <a:buNone/>
-            </a:pPr>
-            <a:r>
-              <a:rPr kumimoji="0" lang="ko-KR" altLang="en-US" sz="1800" b="1" dirty="0">
-                <a:latin typeface="Malgun Gothic" panose="020B0503020000020004" pitchFamily="50" charset="-127"/>
-                <a:ea typeface="Malgun Gothic" panose="020B0503020000020004" pitchFamily="50" charset="-127"/>
-              </a:rPr>
-              <a:t>판매용 폰 번호 조회 웹</a:t>
-            </a:r>
-            <a:r>
-              <a:rPr kumimoji="0" lang="en-US" altLang="ko-KR" sz="1800" b="1" dirty="0">
-                <a:latin typeface="Malgun Gothic" panose="020B0503020000020004" pitchFamily="50" charset="-127"/>
-                <a:ea typeface="Malgun Gothic" panose="020B0503020000020004" pitchFamily="50" charset="-127"/>
-              </a:rPr>
-              <a:t> </a:t>
-            </a:r>
-            <a:r>
-              <a:rPr kumimoji="0" lang="ko-KR" altLang="en-US" sz="1800" b="1" dirty="0">
-                <a:latin typeface="Malgun Gothic" panose="020B0503020000020004" pitchFamily="50" charset="-127"/>
-                <a:ea typeface="Malgun Gothic" panose="020B0503020000020004" pitchFamily="50" charset="-127"/>
-              </a:rPr>
-              <a:t>구축</a:t>
-            </a:r>
-            <a:endParaRPr kumimoji="0" lang="en-US" altLang="ko-KR" sz="600" b="1" dirty="0">
-              <a:latin typeface="Malgun Gothic" panose="020B0503020000020004" pitchFamily="50" charset="-127"/>
-              <a:ea typeface="Malgun Gothic" panose="020B0503020000020004" pitchFamily="50" charset="-127"/>
-            </a:endParaRPr>
-          </a:p>
-        </p:txBody>
-      </p:sp>
-      <p:sp>
-        <p:nvSpPr>
-          <p:cNvPr id="2" name="Text Box 24"/>
-          <p:cNvSpPr txBox="1">
-            <a:spLocks noChangeArrowheads="1"/>
-          </p:cNvSpPr>
-          <p:nvPr/>
-        </p:nvSpPr>
-        <p:spPr bwMode="auto">
-          <a:xfrm>
-            <a:off x="4229351" y="1890120"/>
-            <a:ext cx="6303962" cy="369332"/>
-          </a:xfrm>
-          <a:prstGeom prst="rect">
-            <a:avLst/>
-          </a:prstGeom>
-          <a:noFill/>
-          <a:ln>
-            <a:noFill/>
-          </a:ln>
-          <a:extLst>
-            <a:ext uri="{909E8E84-426E-40DD-AFC4-6F175D3DCCD1}">
-              <a14:hiddenFill xmlns:a14="http://schemas.microsoft.com/office/drawing/2010/main">
-                <a:solidFill>
-                  <a:srgbClr val="FFFFFF"/>
-                </a:solidFill>
-              </a14:hiddenFill>
-            </a:ext>
-            <a:ext uri="{91240B29-F687-4F45-9708-019B960494DF}">
-              <a14:hiddenLine xmlns:a14="http://schemas.microsoft.com/office/drawing/2010/main" w="12700">
-                <a:solidFill>
-                  <a:srgbClr val="000000"/>
-                </a:solidFill>
-                <a:miter lim="800000"/>
-                <a:headEnd/>
-                <a:tailEnd/>
-              </a14:hiddenLine>
-            </a:ext>
-          </a:extLst>
-        </p:spPr>
-        <p:txBody>
-          <a:bodyPr>
-            <a:spAutoFit/>
-          </a:bodyPr>
-          <a:lstStyle>
-            <a:lvl1pPr eaLnBrk="0" hangingPunct="0">
-              <a:defRPr kumimoji="1" sz="2400">
-                <a:solidFill>
-                  <a:schemeClr val="tx1"/>
-                </a:solidFill>
-                <a:latin typeface="Times New Roman" panose="02020603050405020304" pitchFamily="18" charset="0"/>
-                <a:ea typeface="BatangChe" panose="02030609000101010101" pitchFamily="17" charset="-127"/>
-              </a:defRPr>
-            </a:lvl1pPr>
-            <a:lvl2pPr marL="742950" indent="-285750" eaLnBrk="0" hangingPunct="0">
-              <a:defRPr kumimoji="1" sz="2400">
-                <a:solidFill>
-                  <a:schemeClr val="tx1"/>
-                </a:solidFill>
-                <a:latin typeface="Times New Roman" panose="02020603050405020304" pitchFamily="18" charset="0"/>
-                <a:ea typeface="BatangChe" panose="02030609000101010101" pitchFamily="17" charset="-127"/>
-              </a:defRPr>
-            </a:lvl2pPr>
-            <a:lvl3pPr marL="1143000" indent="-228600" eaLnBrk="0" hangingPunct="0">
-              <a:defRPr kumimoji="1" sz="2400">
-                <a:solidFill>
-                  <a:schemeClr val="tx1"/>
-                </a:solidFill>
-                <a:latin typeface="Times New Roman" panose="02020603050405020304" pitchFamily="18" charset="0"/>
-                <a:ea typeface="BatangChe" panose="02030609000101010101" pitchFamily="17" charset="-127"/>
-              </a:defRPr>
-            </a:lvl3pPr>
-            <a:lvl4pPr marL="1600200" indent="-228600" eaLnBrk="0" hangingPunct="0">
-              <a:defRPr kumimoji="1" sz="2400">
-                <a:solidFill>
-                  <a:schemeClr val="tx1"/>
-                </a:solidFill>
-                <a:latin typeface="Times New Roman" panose="02020603050405020304" pitchFamily="18" charset="0"/>
-                <a:ea typeface="BatangChe" panose="02030609000101010101" pitchFamily="17" charset="-127"/>
-              </a:defRPr>
-            </a:lvl4pPr>
-            <a:lvl5pPr marL="2057400" indent="-228600" eaLnBrk="0" hangingPunct="0">
-              <a:defRPr kumimoji="1" sz="2400">
-                <a:solidFill>
-                  <a:schemeClr val="tx1"/>
-                </a:solidFill>
-                <a:latin typeface="Times New Roman" panose="02020603050405020304" pitchFamily="18" charset="0"/>
-                <a:ea typeface="BatangChe" panose="02030609000101010101" pitchFamily="17" charset="-127"/>
-              </a:defRPr>
-            </a:lvl5pPr>
-            <a:lvl6pPr marL="2514600" indent="-228600" eaLnBrk="0" fontAlgn="base" hangingPunct="0">
-              <a:spcBef>
-                <a:spcPct val="0"/>
-              </a:spcBef>
-              <a:spcAft>
-                <a:spcPct val="0"/>
-              </a:spcAft>
-              <a:defRPr kumimoji="1" sz="2400">
-                <a:solidFill>
-                  <a:schemeClr val="tx1"/>
-                </a:solidFill>
-                <a:latin typeface="Times New Roman" panose="02020603050405020304" pitchFamily="18" charset="0"/>
-                <a:ea typeface="BatangChe" panose="02030609000101010101" pitchFamily="17" charset="-127"/>
-              </a:defRPr>
-            </a:lvl6pPr>
-            <a:lvl7pPr marL="2971800" indent="-228600" eaLnBrk="0" fontAlgn="base" hangingPunct="0">
-              <a:spcBef>
-                <a:spcPct val="0"/>
-              </a:spcBef>
-              <a:spcAft>
-                <a:spcPct val="0"/>
-              </a:spcAft>
-              <a:defRPr kumimoji="1" sz="2400">
-                <a:solidFill>
-                  <a:schemeClr val="tx1"/>
-                </a:solidFill>
-                <a:latin typeface="Times New Roman" panose="02020603050405020304" pitchFamily="18" charset="0"/>
-                <a:ea typeface="BatangChe" panose="02030609000101010101" pitchFamily="17" charset="-127"/>
-              </a:defRPr>
-            </a:lvl7pPr>
-            <a:lvl8pPr marL="3429000" indent="-228600" eaLnBrk="0" fontAlgn="base" hangingPunct="0">
-              <a:spcBef>
-                <a:spcPct val="0"/>
-              </a:spcBef>
-              <a:spcAft>
-                <a:spcPct val="0"/>
-              </a:spcAft>
-              <a:defRPr kumimoji="1" sz="2400">
-                <a:solidFill>
-                  <a:schemeClr val="tx1"/>
-                </a:solidFill>
-                <a:latin typeface="Times New Roman" panose="02020603050405020304" pitchFamily="18" charset="0"/>
-                <a:ea typeface="BatangChe" panose="02030609000101010101" pitchFamily="17" charset="-127"/>
-              </a:defRPr>
-            </a:lvl8pPr>
-            <a:lvl9pPr marL="3886200" indent="-228600" eaLnBrk="0" fontAlgn="base" hangingPunct="0">
-              <a:spcBef>
-                <a:spcPct val="0"/>
-              </a:spcBef>
-              <a:spcAft>
-                <a:spcPct val="0"/>
-              </a:spcAft>
-              <a:defRPr kumimoji="1" sz="2400">
-                <a:solidFill>
-                  <a:schemeClr val="tx1"/>
-                </a:solidFill>
-                <a:latin typeface="Times New Roman" panose="02020603050405020304" pitchFamily="18" charset="0"/>
-                <a:ea typeface="BatangChe" panose="02030609000101010101" pitchFamily="17" charset="-127"/>
-              </a:defRPr>
-            </a:lvl9pPr>
-          </a:lstStyle>
-          <a:p>
-            <a:pPr algn="r" eaLnBrk="1" latinLnBrk="0" hangingPunct="1">
-              <a:spcBef>
-                <a:spcPct val="50000"/>
-              </a:spcBef>
-            </a:pPr>
-            <a:r>
-              <a:rPr lang="ko-KR" altLang="en-US" sz="1800" dirty="0">
-                <a:latin typeface="Malgun Gothic" panose="020B0503020000020004" pitchFamily="50" charset="-127"/>
-                <a:ea typeface="Malgun Gothic" panose="020B0503020000020004" pitchFamily="50" charset="-127"/>
-              </a:rPr>
-              <a:t>고객</a:t>
-            </a:r>
-            <a:r>
-              <a:rPr lang="en-US" altLang="ko-KR" sz="1800" dirty="0">
-                <a:latin typeface="Malgun Gothic" panose="020B0503020000020004" pitchFamily="50" charset="-127"/>
-                <a:ea typeface="Malgun Gothic" panose="020B0503020000020004" pitchFamily="50" charset="-127"/>
-              </a:rPr>
-              <a:t>,</a:t>
-            </a:r>
-            <a:r>
-              <a:rPr lang="ko-KR" altLang="en-US" sz="1800" dirty="0">
-                <a:latin typeface="Malgun Gothic" panose="020B0503020000020004" pitchFamily="50" charset="-127"/>
-                <a:ea typeface="Malgun Gothic" panose="020B0503020000020004" pitchFamily="50" charset="-127"/>
-              </a:rPr>
-              <a:t>판매자</a:t>
-            </a:r>
-            <a:r>
-              <a:rPr lang="en-US" altLang="ko-KR" sz="1800" dirty="0">
-                <a:latin typeface="Malgun Gothic" panose="020B0503020000020004" pitchFamily="50" charset="-127"/>
-                <a:ea typeface="Malgun Gothic" panose="020B0503020000020004" pitchFamily="50" charset="-127"/>
-              </a:rPr>
-              <a:t>,</a:t>
-            </a:r>
-            <a:r>
-              <a:rPr lang="ko-KR" altLang="en-US" sz="1800" dirty="0">
-                <a:latin typeface="Malgun Gothic" panose="020B0503020000020004" pitchFamily="50" charset="-127"/>
-                <a:ea typeface="Malgun Gothic" panose="020B0503020000020004" pitchFamily="50" charset="-127"/>
-              </a:rPr>
-              <a:t>관리자 화면</a:t>
-            </a:r>
-            <a:r>
-              <a:rPr lang="en-US" altLang="ko-KR" sz="1800" dirty="0">
-                <a:latin typeface="Malgun Gothic" panose="020B0503020000020004" pitchFamily="50" charset="-127"/>
-                <a:ea typeface="Malgun Gothic" panose="020B0503020000020004" pitchFamily="50" charset="-127"/>
-              </a:rPr>
-              <a:t>_</a:t>
-            </a:r>
-            <a:r>
-              <a:rPr lang="ko-KR" altLang="en-US" sz="1800" dirty="0">
-                <a:latin typeface="Malgun Gothic" panose="020B0503020000020004" pitchFamily="50" charset="-127"/>
-                <a:ea typeface="Malgun Gothic" panose="020B0503020000020004" pitchFamily="50" charset="-127"/>
-              </a:rPr>
-              <a:t>스토리보드</a:t>
-            </a:r>
-            <a:r>
-              <a:rPr lang="en-US" altLang="ko-KR" sz="1800" dirty="0">
-                <a:latin typeface="Malgun Gothic" panose="020B0503020000020004" pitchFamily="50" charset="-127"/>
-                <a:ea typeface="Malgun Gothic" panose="020B0503020000020004" pitchFamily="50" charset="-127"/>
-              </a:rPr>
-              <a:t>(SB)</a:t>
-            </a:r>
-            <a:endParaRPr lang="ko-KR" altLang="en-US" sz="1800" b="1" dirty="0">
-              <a:latin typeface="Malgun Gothic" panose="020B0503020000020004" pitchFamily="50" charset="-127"/>
-              <a:ea typeface="Malgun Gothic" panose="020B0503020000020004" pitchFamily="50" charset="-127"/>
-            </a:endParaRPr>
-          </a:p>
-        </p:txBody>
-      </p:sp>
-      <p:sp>
-        <p:nvSpPr>
-          <p:cNvPr id="3" name="Text Box 24"/>
-          <p:cNvSpPr txBox="1">
-            <a:spLocks noChangeArrowheads="1"/>
-          </p:cNvSpPr>
-          <p:nvPr/>
-        </p:nvSpPr>
-        <p:spPr bwMode="auto">
-          <a:xfrm>
-            <a:off x="4229351" y="2429460"/>
-            <a:ext cx="6303962" cy="369332"/>
-          </a:xfrm>
-          <a:prstGeom prst="rect">
-            <a:avLst/>
-          </a:prstGeom>
-          <a:noFill/>
-          <a:ln>
-            <a:noFill/>
-          </a:ln>
-          <a:extLst>
-            <a:ext uri="{909E8E84-426E-40DD-AFC4-6F175D3DCCD1}">
-              <a14:hiddenFill xmlns:a14="http://schemas.microsoft.com/office/drawing/2010/main">
-                <a:solidFill>
-                  <a:srgbClr val="FFFFFF"/>
-                </a:solidFill>
-              </a14:hiddenFill>
-            </a:ext>
-            <a:ext uri="{91240B29-F687-4F45-9708-019B960494DF}">
-              <a14:hiddenLine xmlns:a14="http://schemas.microsoft.com/office/drawing/2010/main" w="12700">
-                <a:solidFill>
-                  <a:srgbClr val="000000"/>
-                </a:solidFill>
-                <a:miter lim="800000"/>
-                <a:headEnd/>
-                <a:tailEnd/>
-              </a14:hiddenLine>
-            </a:ext>
-          </a:extLst>
-        </p:spPr>
-        <p:txBody>
-          <a:bodyPr>
-            <a:spAutoFit/>
-          </a:bodyPr>
-          <a:lstStyle>
-            <a:lvl1pPr eaLnBrk="0" hangingPunct="0">
-              <a:defRPr kumimoji="1" sz="2400">
-                <a:solidFill>
-                  <a:schemeClr val="tx1"/>
-                </a:solidFill>
-                <a:latin typeface="Times New Roman" panose="02020603050405020304" pitchFamily="18" charset="0"/>
-                <a:ea typeface="BatangChe" panose="02030609000101010101" pitchFamily="17" charset="-127"/>
-              </a:defRPr>
-            </a:lvl1pPr>
-            <a:lvl2pPr marL="742950" indent="-285750" eaLnBrk="0" hangingPunct="0">
-              <a:defRPr kumimoji="1" sz="2400">
-                <a:solidFill>
-                  <a:schemeClr val="tx1"/>
-                </a:solidFill>
-                <a:latin typeface="Times New Roman" panose="02020603050405020304" pitchFamily="18" charset="0"/>
-                <a:ea typeface="BatangChe" panose="02030609000101010101" pitchFamily="17" charset="-127"/>
-              </a:defRPr>
-            </a:lvl2pPr>
-            <a:lvl3pPr marL="1143000" indent="-228600" eaLnBrk="0" hangingPunct="0">
-              <a:defRPr kumimoji="1" sz="2400">
-                <a:solidFill>
-                  <a:schemeClr val="tx1"/>
-                </a:solidFill>
-                <a:latin typeface="Times New Roman" panose="02020603050405020304" pitchFamily="18" charset="0"/>
-                <a:ea typeface="BatangChe" panose="02030609000101010101" pitchFamily="17" charset="-127"/>
-              </a:defRPr>
-            </a:lvl3pPr>
-            <a:lvl4pPr marL="1600200" indent="-228600" eaLnBrk="0" hangingPunct="0">
-              <a:defRPr kumimoji="1" sz="2400">
-                <a:solidFill>
-                  <a:schemeClr val="tx1"/>
-                </a:solidFill>
-                <a:latin typeface="Times New Roman" panose="02020603050405020304" pitchFamily="18" charset="0"/>
-                <a:ea typeface="BatangChe" panose="02030609000101010101" pitchFamily="17" charset="-127"/>
-              </a:defRPr>
-            </a:lvl4pPr>
-            <a:lvl5pPr marL="2057400" indent="-228600" eaLnBrk="0" hangingPunct="0">
-              <a:defRPr kumimoji="1" sz="2400">
-                <a:solidFill>
-                  <a:schemeClr val="tx1"/>
-                </a:solidFill>
-                <a:latin typeface="Times New Roman" panose="02020603050405020304" pitchFamily="18" charset="0"/>
-                <a:ea typeface="BatangChe" panose="02030609000101010101" pitchFamily="17" charset="-127"/>
-              </a:defRPr>
-            </a:lvl5pPr>
-            <a:lvl6pPr marL="2514600" indent="-228600" eaLnBrk="0" fontAlgn="base" hangingPunct="0">
-              <a:spcBef>
-                <a:spcPct val="0"/>
-              </a:spcBef>
-              <a:spcAft>
-                <a:spcPct val="0"/>
-              </a:spcAft>
-              <a:defRPr kumimoji="1" sz="2400">
-                <a:solidFill>
-                  <a:schemeClr val="tx1"/>
-                </a:solidFill>
-                <a:latin typeface="Times New Roman" panose="02020603050405020304" pitchFamily="18" charset="0"/>
-                <a:ea typeface="BatangChe" panose="02030609000101010101" pitchFamily="17" charset="-127"/>
-              </a:defRPr>
-            </a:lvl6pPr>
-            <a:lvl7pPr marL="2971800" indent="-228600" eaLnBrk="0" fontAlgn="base" hangingPunct="0">
-              <a:spcBef>
-                <a:spcPct val="0"/>
-              </a:spcBef>
-              <a:spcAft>
-                <a:spcPct val="0"/>
-              </a:spcAft>
-              <a:defRPr kumimoji="1" sz="2400">
-                <a:solidFill>
-                  <a:schemeClr val="tx1"/>
-                </a:solidFill>
-                <a:latin typeface="Times New Roman" panose="02020603050405020304" pitchFamily="18" charset="0"/>
-                <a:ea typeface="BatangChe" panose="02030609000101010101" pitchFamily="17" charset="-127"/>
-              </a:defRPr>
-            </a:lvl7pPr>
-            <a:lvl8pPr marL="3429000" indent="-228600" eaLnBrk="0" fontAlgn="base" hangingPunct="0">
-              <a:spcBef>
-                <a:spcPct val="0"/>
-              </a:spcBef>
-              <a:spcAft>
-                <a:spcPct val="0"/>
-              </a:spcAft>
-              <a:defRPr kumimoji="1" sz="2400">
-                <a:solidFill>
-                  <a:schemeClr val="tx1"/>
-                </a:solidFill>
-                <a:latin typeface="Times New Roman" panose="02020603050405020304" pitchFamily="18" charset="0"/>
-                <a:ea typeface="BatangChe" panose="02030609000101010101" pitchFamily="17" charset="-127"/>
-              </a:defRPr>
-            </a:lvl8pPr>
-            <a:lvl9pPr marL="3886200" indent="-228600" eaLnBrk="0" fontAlgn="base" hangingPunct="0">
-              <a:spcBef>
-                <a:spcPct val="0"/>
-              </a:spcBef>
-              <a:spcAft>
-                <a:spcPct val="0"/>
-              </a:spcAft>
-              <a:defRPr kumimoji="1" sz="2400">
-                <a:solidFill>
-                  <a:schemeClr val="tx1"/>
-                </a:solidFill>
-                <a:latin typeface="Times New Roman" panose="02020603050405020304" pitchFamily="18" charset="0"/>
-                <a:ea typeface="BatangChe" panose="02030609000101010101" pitchFamily="17" charset="-127"/>
-              </a:defRPr>
-            </a:lvl9pPr>
-          </a:lstStyle>
-          <a:p>
-            <a:pPr algn="r" eaLnBrk="1" latinLnBrk="0" hangingPunct="1">
-              <a:spcBef>
-                <a:spcPct val="50000"/>
-              </a:spcBef>
-            </a:pPr>
-            <a:r>
-              <a:rPr lang="en-US" altLang="ko-KR" sz="1800" b="1" dirty="0">
-                <a:latin typeface="Malgun Gothic" panose="020B0503020000020004" pitchFamily="50" charset="-127"/>
-                <a:ea typeface="Malgun Gothic" panose="020B0503020000020004" pitchFamily="50" charset="-127"/>
-              </a:rPr>
-              <a:t>Application </a:t>
-            </a:r>
-            <a:r>
-              <a:rPr lang="ko-KR" altLang="en-US" sz="1800" b="1" dirty="0">
-                <a:latin typeface="Malgun Gothic" panose="020B0503020000020004" pitchFamily="50" charset="-127"/>
-                <a:ea typeface="Malgun Gothic" panose="020B0503020000020004" pitchFamily="50" charset="-127"/>
-              </a:rPr>
-              <a:t>개발</a:t>
-            </a:r>
-            <a:r>
-              <a:rPr lang="en-US" altLang="ko-KR" sz="1800" b="1" dirty="0">
-                <a:latin typeface="Malgun Gothic" panose="020B0503020000020004" pitchFamily="50" charset="-127"/>
-                <a:ea typeface="Malgun Gothic" panose="020B0503020000020004" pitchFamily="50" charset="-127"/>
-              </a:rPr>
-              <a:t>(DEV)</a:t>
-            </a:r>
-            <a:endParaRPr lang="ko-KR" altLang="en-US" sz="1400" b="1" dirty="0">
-              <a:latin typeface="Malgun Gothic" panose="020B0503020000020004" pitchFamily="50" charset="-127"/>
-              <a:ea typeface="Malgun Gothic" panose="020B0503020000020004" pitchFamily="50" charset="-127"/>
-            </a:endParaRPr>
-          </a:p>
-        </p:txBody>
-      </p:sp>
-      <p:sp>
-        <p:nvSpPr>
-          <p:cNvPr id="4" name="Text Box 24"/>
-          <p:cNvSpPr txBox="1">
-            <a:spLocks noChangeArrowheads="1"/>
-          </p:cNvSpPr>
-          <p:nvPr/>
-        </p:nvSpPr>
-        <p:spPr bwMode="auto">
-          <a:xfrm>
-            <a:off x="4229351" y="2869344"/>
-            <a:ext cx="6303962" cy="307777"/>
-          </a:xfrm>
-          <a:prstGeom prst="rect">
-            <a:avLst/>
-          </a:prstGeom>
-          <a:noFill/>
-          <a:ln>
-            <a:noFill/>
-          </a:ln>
-          <a:extLst>
-            <a:ext uri="{909E8E84-426E-40DD-AFC4-6F175D3DCCD1}">
-              <a14:hiddenFill xmlns:a14="http://schemas.microsoft.com/office/drawing/2010/main">
-                <a:solidFill>
-                  <a:srgbClr val="FFFFFF"/>
-                </a:solidFill>
-              </a14:hiddenFill>
-            </a:ext>
-            <a:ext uri="{91240B29-F687-4F45-9708-019B960494DF}">
-              <a14:hiddenLine xmlns:a14="http://schemas.microsoft.com/office/drawing/2010/main" w="12700">
-                <a:solidFill>
-                  <a:srgbClr val="000000"/>
-                </a:solidFill>
-                <a:miter lim="800000"/>
-                <a:headEnd/>
-                <a:tailEnd/>
-              </a14:hiddenLine>
-            </a:ext>
-          </a:extLst>
-        </p:spPr>
-        <p:txBody>
-          <a:bodyPr>
-            <a:spAutoFit/>
-          </a:bodyPr>
-          <a:lstStyle>
-            <a:lvl1pPr eaLnBrk="0" hangingPunct="0">
-              <a:defRPr kumimoji="1" sz="2400">
-                <a:solidFill>
-                  <a:schemeClr val="tx1"/>
-                </a:solidFill>
-                <a:latin typeface="Times New Roman" panose="02020603050405020304" pitchFamily="18" charset="0"/>
-                <a:ea typeface="BatangChe" panose="02030609000101010101" pitchFamily="17" charset="-127"/>
-              </a:defRPr>
-            </a:lvl1pPr>
-            <a:lvl2pPr marL="742950" indent="-285750" eaLnBrk="0" hangingPunct="0">
-              <a:defRPr kumimoji="1" sz="2400">
-                <a:solidFill>
-                  <a:schemeClr val="tx1"/>
-                </a:solidFill>
-                <a:latin typeface="Times New Roman" panose="02020603050405020304" pitchFamily="18" charset="0"/>
-                <a:ea typeface="BatangChe" panose="02030609000101010101" pitchFamily="17" charset="-127"/>
-              </a:defRPr>
-            </a:lvl2pPr>
-            <a:lvl3pPr marL="1143000" indent="-228600" eaLnBrk="0" hangingPunct="0">
-              <a:defRPr kumimoji="1" sz="2400">
-                <a:solidFill>
-                  <a:schemeClr val="tx1"/>
-                </a:solidFill>
-                <a:latin typeface="Times New Roman" panose="02020603050405020304" pitchFamily="18" charset="0"/>
-                <a:ea typeface="BatangChe" panose="02030609000101010101" pitchFamily="17" charset="-127"/>
-              </a:defRPr>
-            </a:lvl3pPr>
-            <a:lvl4pPr marL="1600200" indent="-228600" eaLnBrk="0" hangingPunct="0">
-              <a:defRPr kumimoji="1" sz="2400">
-                <a:solidFill>
-                  <a:schemeClr val="tx1"/>
-                </a:solidFill>
-                <a:latin typeface="Times New Roman" panose="02020603050405020304" pitchFamily="18" charset="0"/>
-                <a:ea typeface="BatangChe" panose="02030609000101010101" pitchFamily="17" charset="-127"/>
-              </a:defRPr>
-            </a:lvl4pPr>
-            <a:lvl5pPr marL="2057400" indent="-228600" eaLnBrk="0" hangingPunct="0">
-              <a:defRPr kumimoji="1" sz="2400">
-                <a:solidFill>
-                  <a:schemeClr val="tx1"/>
-                </a:solidFill>
-                <a:latin typeface="Times New Roman" panose="02020603050405020304" pitchFamily="18" charset="0"/>
-                <a:ea typeface="BatangChe" panose="02030609000101010101" pitchFamily="17" charset="-127"/>
-              </a:defRPr>
-            </a:lvl5pPr>
-            <a:lvl6pPr marL="2514600" indent="-228600" eaLnBrk="0" fontAlgn="base" hangingPunct="0">
-              <a:spcBef>
-                <a:spcPct val="0"/>
-              </a:spcBef>
-              <a:spcAft>
-                <a:spcPct val="0"/>
-              </a:spcAft>
-              <a:defRPr kumimoji="1" sz="2400">
-                <a:solidFill>
-                  <a:schemeClr val="tx1"/>
-                </a:solidFill>
-                <a:latin typeface="Times New Roman" panose="02020603050405020304" pitchFamily="18" charset="0"/>
-                <a:ea typeface="BatangChe" panose="02030609000101010101" pitchFamily="17" charset="-127"/>
-              </a:defRPr>
-            </a:lvl6pPr>
-            <a:lvl7pPr marL="2971800" indent="-228600" eaLnBrk="0" fontAlgn="base" hangingPunct="0">
-              <a:spcBef>
-                <a:spcPct val="0"/>
-              </a:spcBef>
-              <a:spcAft>
-                <a:spcPct val="0"/>
-              </a:spcAft>
-              <a:defRPr kumimoji="1" sz="2400">
-                <a:solidFill>
-                  <a:schemeClr val="tx1"/>
-                </a:solidFill>
-                <a:latin typeface="Times New Roman" panose="02020603050405020304" pitchFamily="18" charset="0"/>
-                <a:ea typeface="BatangChe" panose="02030609000101010101" pitchFamily="17" charset="-127"/>
-              </a:defRPr>
-            </a:lvl7pPr>
-            <a:lvl8pPr marL="3429000" indent="-228600" eaLnBrk="0" fontAlgn="base" hangingPunct="0">
-              <a:spcBef>
-                <a:spcPct val="0"/>
-              </a:spcBef>
-              <a:spcAft>
-                <a:spcPct val="0"/>
-              </a:spcAft>
-              <a:defRPr kumimoji="1" sz="2400">
-                <a:solidFill>
-                  <a:schemeClr val="tx1"/>
-                </a:solidFill>
-                <a:latin typeface="Times New Roman" panose="02020603050405020304" pitchFamily="18" charset="0"/>
-                <a:ea typeface="BatangChe" panose="02030609000101010101" pitchFamily="17" charset="-127"/>
-              </a:defRPr>
-            </a:lvl8pPr>
-            <a:lvl9pPr marL="3886200" indent="-228600" eaLnBrk="0" fontAlgn="base" hangingPunct="0">
-              <a:spcBef>
-                <a:spcPct val="0"/>
-              </a:spcBef>
-              <a:spcAft>
-                <a:spcPct val="0"/>
-              </a:spcAft>
-              <a:defRPr kumimoji="1" sz="2400">
-                <a:solidFill>
-                  <a:schemeClr val="tx1"/>
-                </a:solidFill>
-                <a:latin typeface="Times New Roman" panose="02020603050405020304" pitchFamily="18" charset="0"/>
-                <a:ea typeface="BatangChe" panose="02030609000101010101" pitchFamily="17" charset="-127"/>
-              </a:defRPr>
-            </a:lvl9pPr>
-          </a:lstStyle>
-          <a:p>
-            <a:pPr algn="r"/>
-            <a:r>
-              <a:rPr lang="en-US" altLang="ko-KR" sz="1400" dirty="0">
-                <a:latin typeface="Malgun Gothic" panose="020B0503020000020004" pitchFamily="50" charset="-127"/>
-                <a:ea typeface="Malgun Gothic" panose="020B0503020000020004" pitchFamily="50" charset="-127"/>
-              </a:rPr>
-              <a:t>DEV_D0711</a:t>
-            </a:r>
-            <a:endParaRPr lang="ko-KR" altLang="en-US" sz="1400" dirty="0"/>
-          </a:p>
-        </p:txBody>
-      </p:sp>
-      <p:sp>
-        <p:nvSpPr>
-          <p:cNvPr id="5" name="Text Box 24"/>
-          <p:cNvSpPr txBox="1">
-            <a:spLocks noChangeArrowheads="1"/>
-          </p:cNvSpPr>
-          <p:nvPr/>
-        </p:nvSpPr>
-        <p:spPr bwMode="auto">
-          <a:xfrm>
-            <a:off x="9018905" y="431800"/>
-            <a:ext cx="1513840" cy="607695"/>
-          </a:xfrm>
-          <a:prstGeom prst="rect">
-            <a:avLst/>
-          </a:prstGeom>
-          <a:noFill/>
-          <a:ln>
-            <a:noFill/>
-          </a:ln>
-          <a:extLst>
-            <a:ext uri="{909E8E84-426E-40DD-AFC4-6F175D3DCCD1}">
-              <a14:hiddenFill xmlns:a14="http://schemas.microsoft.com/office/drawing/2010/main">
-                <a:solidFill>
-                  <a:srgbClr val="FFFFFF"/>
-                </a:solidFill>
-              </a14:hiddenFill>
-            </a:ext>
-            <a:ext uri="{91240B29-F687-4F45-9708-019B960494DF}">
-              <a14:hiddenLine xmlns:a14="http://schemas.microsoft.com/office/drawing/2010/main" w="12700">
-                <a:solidFill>
-                  <a:srgbClr val="000000"/>
-                </a:solidFill>
-                <a:miter lim="800000"/>
-                <a:headEnd/>
-                <a:tailEnd/>
-              </a14:hiddenLine>
-            </a:ext>
-          </a:extLst>
-        </p:spPr>
-        <p:txBody>
-          <a:bodyPr wrap="square">
-            <a:spAutoFit/>
-          </a:bodyPr>
-          <a:lstStyle>
-            <a:lvl1pPr eaLnBrk="0" hangingPunct="0">
-              <a:defRPr kumimoji="1" sz="2400">
-                <a:solidFill>
-                  <a:schemeClr val="tx1"/>
-                </a:solidFill>
-                <a:latin typeface="Times New Roman" panose="02020603050405020304" pitchFamily="18" charset="0"/>
-                <a:ea typeface="BatangChe" panose="02030609000101010101" pitchFamily="17" charset="-127"/>
-              </a:defRPr>
-            </a:lvl1pPr>
-            <a:lvl2pPr marL="742950" indent="-285750" eaLnBrk="0" hangingPunct="0">
-              <a:defRPr kumimoji="1" sz="2400">
-                <a:solidFill>
-                  <a:schemeClr val="tx1"/>
-                </a:solidFill>
-                <a:latin typeface="Times New Roman" panose="02020603050405020304" pitchFamily="18" charset="0"/>
-                <a:ea typeface="BatangChe" panose="02030609000101010101" pitchFamily="17" charset="-127"/>
-              </a:defRPr>
-            </a:lvl2pPr>
-            <a:lvl3pPr marL="1143000" indent="-228600" eaLnBrk="0" hangingPunct="0">
-              <a:defRPr kumimoji="1" sz="2400">
-                <a:solidFill>
-                  <a:schemeClr val="tx1"/>
-                </a:solidFill>
-                <a:latin typeface="Times New Roman" panose="02020603050405020304" pitchFamily="18" charset="0"/>
-                <a:ea typeface="BatangChe" panose="02030609000101010101" pitchFamily="17" charset="-127"/>
-              </a:defRPr>
-            </a:lvl3pPr>
-            <a:lvl4pPr marL="1600200" indent="-228600" eaLnBrk="0" hangingPunct="0">
-              <a:defRPr kumimoji="1" sz="2400">
-                <a:solidFill>
-                  <a:schemeClr val="tx1"/>
-                </a:solidFill>
-                <a:latin typeface="Times New Roman" panose="02020603050405020304" pitchFamily="18" charset="0"/>
-                <a:ea typeface="BatangChe" panose="02030609000101010101" pitchFamily="17" charset="-127"/>
-              </a:defRPr>
-            </a:lvl4pPr>
-            <a:lvl5pPr marL="2057400" indent="-228600" eaLnBrk="0" hangingPunct="0">
-              <a:defRPr kumimoji="1" sz="2400">
-                <a:solidFill>
-                  <a:schemeClr val="tx1"/>
-                </a:solidFill>
-                <a:latin typeface="Times New Roman" panose="02020603050405020304" pitchFamily="18" charset="0"/>
-                <a:ea typeface="BatangChe" panose="02030609000101010101" pitchFamily="17" charset="-127"/>
-              </a:defRPr>
-            </a:lvl5pPr>
-            <a:lvl6pPr marL="2514600" indent="-228600" eaLnBrk="0" fontAlgn="base" hangingPunct="0">
-              <a:spcBef>
-                <a:spcPct val="0"/>
-              </a:spcBef>
-              <a:spcAft>
-                <a:spcPct val="0"/>
-              </a:spcAft>
-              <a:defRPr kumimoji="1" sz="2400">
-                <a:solidFill>
-                  <a:schemeClr val="tx1"/>
-                </a:solidFill>
-                <a:latin typeface="Times New Roman" panose="02020603050405020304" pitchFamily="18" charset="0"/>
-                <a:ea typeface="BatangChe" panose="02030609000101010101" pitchFamily="17" charset="-127"/>
-              </a:defRPr>
-            </a:lvl6pPr>
-            <a:lvl7pPr marL="2971800" indent="-228600" eaLnBrk="0" fontAlgn="base" hangingPunct="0">
-              <a:spcBef>
-                <a:spcPct val="0"/>
-              </a:spcBef>
-              <a:spcAft>
-                <a:spcPct val="0"/>
-              </a:spcAft>
-              <a:defRPr kumimoji="1" sz="2400">
-                <a:solidFill>
-                  <a:schemeClr val="tx1"/>
-                </a:solidFill>
-                <a:latin typeface="Times New Roman" panose="02020603050405020304" pitchFamily="18" charset="0"/>
-                <a:ea typeface="BatangChe" panose="02030609000101010101" pitchFamily="17" charset="-127"/>
-              </a:defRPr>
-            </a:lvl7pPr>
-            <a:lvl8pPr marL="3429000" indent="-228600" eaLnBrk="0" fontAlgn="base" hangingPunct="0">
-              <a:spcBef>
-                <a:spcPct val="0"/>
-              </a:spcBef>
-              <a:spcAft>
-                <a:spcPct val="0"/>
-              </a:spcAft>
-              <a:defRPr kumimoji="1" sz="2400">
-                <a:solidFill>
-                  <a:schemeClr val="tx1"/>
-                </a:solidFill>
-                <a:latin typeface="Times New Roman" panose="02020603050405020304" pitchFamily="18" charset="0"/>
-                <a:ea typeface="BatangChe" panose="02030609000101010101" pitchFamily="17" charset="-127"/>
-              </a:defRPr>
-            </a:lvl8pPr>
-            <a:lvl9pPr marL="3886200" indent="-228600" eaLnBrk="0" fontAlgn="base" hangingPunct="0">
-              <a:spcBef>
-                <a:spcPct val="0"/>
-              </a:spcBef>
-              <a:spcAft>
-                <a:spcPct val="0"/>
-              </a:spcAft>
-              <a:defRPr kumimoji="1" sz="2400">
-                <a:solidFill>
-                  <a:schemeClr val="tx1"/>
-                </a:solidFill>
-                <a:latin typeface="Times New Roman" panose="02020603050405020304" pitchFamily="18" charset="0"/>
-                <a:ea typeface="BatangChe" panose="02030609000101010101" pitchFamily="17" charset="-127"/>
-              </a:defRPr>
-            </a:lvl9pPr>
-          </a:lstStyle>
-          <a:p>
-            <a:pPr algn="r" latinLnBrk="0">
-              <a:lnSpc>
-                <a:spcPct val="120000"/>
-              </a:lnSpc>
-              <a:spcBef>
-                <a:spcPct val="0"/>
-              </a:spcBef>
-              <a:buFontTx/>
-              <a:buNone/>
-            </a:pPr>
-            <a:r>
-              <a:rPr kumimoji="0" lang="ko-KR" altLang="en-US" sz="2800" b="1" dirty="0">
-                <a:latin typeface="Malgun Gothic" panose="020B0503020000020004" pitchFamily="50" charset="-127"/>
-                <a:ea typeface="Malgun Gothic" panose="020B0503020000020004" pitchFamily="50" charset="-127"/>
-              </a:rPr>
-              <a:t>인턴 </a:t>
-            </a:r>
-            <a:r>
-              <a:rPr kumimoji="0" lang="en-US" altLang="ko-KR" sz="2800" b="1" dirty="0">
-                <a:latin typeface="Malgun Gothic" panose="020B0503020000020004" pitchFamily="50" charset="-127"/>
-                <a:ea typeface="Malgun Gothic" panose="020B0503020000020004" pitchFamily="50" charset="-127"/>
-              </a:rPr>
-              <a:t>PT</a:t>
-            </a:r>
-            <a:endParaRPr kumimoji="0" lang="en-US" altLang="ko-KR" sz="900" b="1" dirty="0">
-              <a:latin typeface="Malgun Gothic" panose="020B0503020000020004" pitchFamily="50" charset="-127"/>
-              <a:ea typeface="Malgun Gothic" panose="020B0503020000020004" pitchFamily="50" charset="-127"/>
-            </a:endParaRPr>
-          </a:p>
-        </p:txBody>
-      </p:sp>
-      <p:sp>
-        <p:nvSpPr>
-          <p:cNvPr id="9" name="Text Box 24"/>
-          <p:cNvSpPr txBox="1">
-            <a:spLocks noChangeArrowheads="1"/>
-          </p:cNvSpPr>
-          <p:nvPr/>
-        </p:nvSpPr>
-        <p:spPr bwMode="auto">
-          <a:xfrm>
-            <a:off x="4229351" y="1030330"/>
-            <a:ext cx="6303962" cy="368300"/>
-          </a:xfrm>
-          <a:prstGeom prst="rect">
-            <a:avLst/>
-          </a:prstGeom>
-          <a:noFill/>
-          <a:ln>
-            <a:noFill/>
-          </a:ln>
-          <a:extLst>
-            <a:ext uri="{909E8E84-426E-40DD-AFC4-6F175D3DCCD1}">
-              <a14:hiddenFill xmlns:a14="http://schemas.microsoft.com/office/drawing/2010/main">
-                <a:solidFill>
-                  <a:srgbClr val="FFFFFF"/>
-                </a:solidFill>
-              </a14:hiddenFill>
-            </a:ext>
-            <a:ext uri="{91240B29-F687-4F45-9708-019B960494DF}">
-              <a14:hiddenLine xmlns:a14="http://schemas.microsoft.com/office/drawing/2010/main" w="12700">
-                <a:solidFill>
-                  <a:srgbClr val="000000"/>
-                </a:solidFill>
-                <a:miter lim="800000"/>
-                <a:headEnd/>
-                <a:tailEnd/>
-              </a14:hiddenLine>
-            </a:ext>
-          </a:extLst>
-        </p:spPr>
-        <p:txBody>
-          <a:bodyPr>
-            <a:spAutoFit/>
-          </a:bodyPr>
-          <a:lstStyle>
-            <a:lvl1pPr eaLnBrk="0" hangingPunct="0">
-              <a:defRPr kumimoji="1" sz="2400">
-                <a:solidFill>
-                  <a:schemeClr val="tx1"/>
-                </a:solidFill>
-                <a:latin typeface="Times New Roman" panose="02020603050405020304" pitchFamily="18" charset="0"/>
-                <a:ea typeface="BatangChe" panose="02030609000101010101" pitchFamily="17" charset="-127"/>
-              </a:defRPr>
-            </a:lvl1pPr>
-            <a:lvl2pPr marL="742950" indent="-285750" eaLnBrk="0" hangingPunct="0">
-              <a:defRPr kumimoji="1" sz="2400">
-                <a:solidFill>
-                  <a:schemeClr val="tx1"/>
-                </a:solidFill>
-                <a:latin typeface="Times New Roman" panose="02020603050405020304" pitchFamily="18" charset="0"/>
-                <a:ea typeface="BatangChe" panose="02030609000101010101" pitchFamily="17" charset="-127"/>
-              </a:defRPr>
-            </a:lvl2pPr>
-            <a:lvl3pPr marL="1143000" indent="-228600" eaLnBrk="0" hangingPunct="0">
-              <a:defRPr kumimoji="1" sz="2400">
-                <a:solidFill>
-                  <a:schemeClr val="tx1"/>
-                </a:solidFill>
-                <a:latin typeface="Times New Roman" panose="02020603050405020304" pitchFamily="18" charset="0"/>
-                <a:ea typeface="BatangChe" panose="02030609000101010101" pitchFamily="17" charset="-127"/>
-              </a:defRPr>
-            </a:lvl3pPr>
-            <a:lvl4pPr marL="1600200" indent="-228600" eaLnBrk="0" hangingPunct="0">
-              <a:defRPr kumimoji="1" sz="2400">
-                <a:solidFill>
-                  <a:schemeClr val="tx1"/>
-                </a:solidFill>
-                <a:latin typeface="Times New Roman" panose="02020603050405020304" pitchFamily="18" charset="0"/>
-                <a:ea typeface="BatangChe" panose="02030609000101010101" pitchFamily="17" charset="-127"/>
-              </a:defRPr>
-            </a:lvl4pPr>
-            <a:lvl5pPr marL="2057400" indent="-228600" eaLnBrk="0" hangingPunct="0">
-              <a:defRPr kumimoji="1" sz="2400">
-                <a:solidFill>
-                  <a:schemeClr val="tx1"/>
-                </a:solidFill>
-                <a:latin typeface="Times New Roman" panose="02020603050405020304" pitchFamily="18" charset="0"/>
-                <a:ea typeface="BatangChe" panose="02030609000101010101" pitchFamily="17" charset="-127"/>
-              </a:defRPr>
-            </a:lvl5pPr>
-            <a:lvl6pPr marL="2514600" indent="-228600" eaLnBrk="0" fontAlgn="base" hangingPunct="0">
-              <a:spcBef>
-                <a:spcPct val="0"/>
-              </a:spcBef>
-              <a:spcAft>
-                <a:spcPct val="0"/>
-              </a:spcAft>
-              <a:defRPr kumimoji="1" sz="2400">
-                <a:solidFill>
-                  <a:schemeClr val="tx1"/>
-                </a:solidFill>
-                <a:latin typeface="Times New Roman" panose="02020603050405020304" pitchFamily="18" charset="0"/>
-                <a:ea typeface="BatangChe" panose="02030609000101010101" pitchFamily="17" charset="-127"/>
-              </a:defRPr>
-            </a:lvl6pPr>
-            <a:lvl7pPr marL="2971800" indent="-228600" eaLnBrk="0" fontAlgn="base" hangingPunct="0">
-              <a:spcBef>
-                <a:spcPct val="0"/>
-              </a:spcBef>
-              <a:spcAft>
-                <a:spcPct val="0"/>
-              </a:spcAft>
-              <a:defRPr kumimoji="1" sz="2400">
-                <a:solidFill>
-                  <a:schemeClr val="tx1"/>
-                </a:solidFill>
-                <a:latin typeface="Times New Roman" panose="02020603050405020304" pitchFamily="18" charset="0"/>
-                <a:ea typeface="BatangChe" panose="02030609000101010101" pitchFamily="17" charset="-127"/>
-              </a:defRPr>
-            </a:lvl7pPr>
-            <a:lvl8pPr marL="3429000" indent="-228600" eaLnBrk="0" fontAlgn="base" hangingPunct="0">
-              <a:spcBef>
-                <a:spcPct val="0"/>
-              </a:spcBef>
-              <a:spcAft>
-                <a:spcPct val="0"/>
-              </a:spcAft>
-              <a:defRPr kumimoji="1" sz="2400">
-                <a:solidFill>
-                  <a:schemeClr val="tx1"/>
-                </a:solidFill>
-                <a:latin typeface="Times New Roman" panose="02020603050405020304" pitchFamily="18" charset="0"/>
-                <a:ea typeface="BatangChe" panose="02030609000101010101" pitchFamily="17" charset="-127"/>
-              </a:defRPr>
-            </a:lvl8pPr>
-            <a:lvl9pPr marL="3886200" indent="-228600" eaLnBrk="0" fontAlgn="base" hangingPunct="0">
-              <a:spcBef>
-                <a:spcPct val="0"/>
-              </a:spcBef>
-              <a:spcAft>
-                <a:spcPct val="0"/>
-              </a:spcAft>
-              <a:defRPr kumimoji="1" sz="2400">
-                <a:solidFill>
-                  <a:schemeClr val="tx1"/>
-                </a:solidFill>
-                <a:latin typeface="Times New Roman" panose="02020603050405020304" pitchFamily="18" charset="0"/>
-                <a:ea typeface="BatangChe" panose="02030609000101010101" pitchFamily="17" charset="-127"/>
-              </a:defRPr>
-            </a:lvl9pPr>
-          </a:lstStyle>
-          <a:p>
-            <a:pPr algn="r" eaLnBrk="1" latinLnBrk="0" hangingPunct="1">
-              <a:spcBef>
-                <a:spcPct val="50000"/>
-              </a:spcBef>
-            </a:pPr>
-            <a:r>
-              <a:rPr lang="ko-KR" altLang="en-US" sz="1800" b="1" dirty="0">
-                <a:latin typeface="Malgun Gothic" panose="020B0503020000020004" pitchFamily="50" charset="-127"/>
-                <a:ea typeface="Malgun Gothic" panose="020B0503020000020004" pitchFamily="50" charset="-127"/>
-              </a:rPr>
-              <a:t>오정택</a:t>
-            </a:r>
-            <a:r>
-              <a:rPr lang="en-US" altLang="ko-KR" sz="1800" b="1" dirty="0">
-                <a:latin typeface="Malgun Gothic" panose="020B0503020000020004" pitchFamily="50" charset="-127"/>
-                <a:ea typeface="Malgun Gothic" panose="020B0503020000020004" pitchFamily="50" charset="-127"/>
-              </a:rPr>
-              <a:t>(BSS</a:t>
-            </a:r>
-            <a:r>
-              <a:rPr lang="ko-KR" altLang="en-US" sz="1800" b="1" dirty="0">
-                <a:latin typeface="Malgun Gothic" panose="020B0503020000020004" pitchFamily="50" charset="-127"/>
-                <a:ea typeface="Malgun Gothic" panose="020B0503020000020004" pitchFamily="50" charset="-127"/>
-              </a:rPr>
-              <a:t>사업</a:t>
-            </a:r>
-            <a:r>
-              <a:rPr lang="en-US" altLang="ko-KR" sz="1800" b="1" dirty="0">
-                <a:latin typeface="Malgun Gothic" panose="020B0503020000020004" pitchFamily="50" charset="-127"/>
-                <a:ea typeface="Malgun Gothic" panose="020B0503020000020004" pitchFamily="50" charset="-127"/>
-              </a:rPr>
-              <a:t>4</a:t>
-            </a:r>
-            <a:r>
-              <a:rPr lang="ko-KR" altLang="en-US" sz="1800" b="1" dirty="0">
-                <a:latin typeface="Malgun Gothic" panose="020B0503020000020004" pitchFamily="50" charset="-127"/>
-                <a:ea typeface="Malgun Gothic" panose="020B0503020000020004" pitchFamily="50" charset="-127"/>
-              </a:rPr>
-              <a:t>팀</a:t>
-            </a:r>
-            <a:r>
-              <a:rPr lang="en-US" altLang="ko-KR" sz="1800" b="1" dirty="0">
-                <a:latin typeface="Malgun Gothic" panose="020B0503020000020004" pitchFamily="50" charset="-127"/>
-                <a:ea typeface="Malgun Gothic" panose="020B0503020000020004" pitchFamily="50" charset="-127"/>
-              </a:rPr>
-              <a:t>)</a:t>
-            </a:r>
-            <a:endParaRPr lang="en-US" altLang="ko-KR" sz="1800" b="1" dirty="0">
-              <a:latin typeface="Malgun Gothic" panose="020B0503020000020004" pitchFamily="50" charset="-127"/>
-              <a:ea typeface="Malgun Gothic" panose="020B0503020000020004" pitchFamily="50" charset="-127"/>
-            </a:endParaRPr>
           </a:p>
         </p:txBody>
       </p:sp>
@@ -6938,6 +5685,7 @@
       </a:lstStyle>
     </a:txDef>
   </a:objectDefaults>
+  <a:extraClrSchemeLst/>
   <a:extLst>
     <a:ext uri="{05A4C25C-085E-4340-85A3-A5531E510DB2}">
       <thm15:themeFamily xmlns:thm15="http://schemas.microsoft.com/office/thememl/2012/main" name="Office Theme" id="{62F939B6-93AF-4DB8-9C6B-D6C7DFDC589F}" vid="{4A3C46E8-61CC-4603-A589-7422A47A8E4A}"/>
@@ -7197,6 +5945,8 @@
       </a:bgFillStyleLst>
     </a:fmtScheme>
   </a:themeElements>
+  <a:objectDefaults/>
+  <a:extraClrSchemeLst/>
   <a:extLst>
     <a:ext uri="{05A4C25C-085E-4340-85A3-A5531E510DB2}">
       <thm15:themeFamily xmlns:thm15="http://schemas.microsoft.com/office/thememl/2012/main" name="Office Theme" id="{62F939B6-93AF-4DB8-9C6B-D6C7DFDC589F}" vid="{4A3C46E8-61CC-4603-A589-7422A47A8E4A}"/>
